--- a/src/include/figures/figures-presentation.pptx
+++ b/src/include/figures/figures-presentation.pptx
@@ -5,7 +5,7 @@
     <p:sldMasterId id="2147483648" r:id="rId1"/>
   </p:sldMasterIdLst>
   <p:notesMasterIdLst>
-    <p:notesMasterId r:id="rId8"/>
+    <p:notesMasterId r:id="rId9"/>
   </p:notesMasterIdLst>
   <p:sldIdLst>
     <p:sldId id="320" r:id="rId2"/>
@@ -13,37 +13,38 @@
     <p:sldId id="322" r:id="rId4"/>
     <p:sldId id="323" r:id="rId5"/>
     <p:sldId id="331" r:id="rId6"/>
-    <p:sldId id="345" r:id="rId7"/>
+    <p:sldId id="346" r:id="rId7"/>
+    <p:sldId id="345" r:id="rId8"/>
   </p:sldIdLst>
   <p:sldSz cx="12192000" cy="6858000"/>
   <p:notesSz cx="6858000" cy="9144000"/>
   <p:embeddedFontLst>
     <p:embeddedFont>
-      <p:font typeface="Clear Sans Light" panose="020B0303030202020304" pitchFamily="34" charset="0"/>
-      <p:regular r:id="rId9"/>
-    </p:embeddedFont>
-    <p:embeddedFont>
-      <p:font typeface="Clear Sans" panose="020B0503030202020304" pitchFamily="34" charset="0"/>
+      <p:font typeface="Calibri" panose="020F0502020204030204" pitchFamily="34" charset="0"/>
       <p:regular r:id="rId10"/>
       <p:bold r:id="rId11"/>
       <p:italic r:id="rId12"/>
       <p:boldItalic r:id="rId13"/>
     </p:embeddedFont>
     <p:embeddedFont>
-      <p:font typeface="Calibri Light" panose="020F0302020204030204" pitchFamily="34" charset="0"/>
-      <p:regular r:id="rId14"/>
-      <p:italic r:id="rId15"/>
+      <p:font typeface="Clear Sans Bold" panose="020B0803030202020304" pitchFamily="34" charset="0"/>
+      <p:bold r:id="rId14"/>
     </p:embeddedFont>
     <p:embeddedFont>
-      <p:font typeface="Clear Sans Bold" panose="020B0803030202020304" pitchFamily="34" charset="0"/>
+      <p:font typeface="Clear Sans" panose="020B0503030202020304" pitchFamily="34" charset="0"/>
+      <p:regular r:id="rId15"/>
       <p:bold r:id="rId16"/>
+      <p:italic r:id="rId17"/>
+      <p:boldItalic r:id="rId18"/>
     </p:embeddedFont>
     <p:embeddedFont>
-      <p:font typeface="Calibri" panose="020F0502020204030204" pitchFamily="34" charset="0"/>
-      <p:regular r:id="rId17"/>
-      <p:bold r:id="rId18"/>
-      <p:italic r:id="rId19"/>
-      <p:boldItalic r:id="rId20"/>
+      <p:font typeface="Clear Sans Light" panose="020B0303030202020304" pitchFamily="34" charset="0"/>
+      <p:regular r:id="rId19"/>
+    </p:embeddedFont>
+    <p:embeddedFont>
+      <p:font typeface="Calibri Light" panose="020F0302020204030204" pitchFamily="34" charset="0"/>
+      <p:regular r:id="rId20"/>
+      <p:italic r:id="rId21"/>
     </p:embeddedFont>
   </p:embeddedFontLst>
   <p:defaultTextStyle>
@@ -242,7 +243,7 @@
           <a:p>
             <a:fld id="{7D6CC8BC-5237-4995-A24C-11FB65537625}" type="datetimeFigureOut">
               <a:rPr lang="hu-HU" smtClean="0"/>
-              <a:t>2016. 09. 21.</a:t>
+              <a:t>2016. 10. 27.</a:t>
             </a:fld>
             <a:endParaRPr lang="hu-HU"/>
           </a:p>
@@ -1058,7 +1059,7 @@
           <a:p>
             <a:fld id="{98246342-F907-4D34-A2FD-FAD87774D1EE}" type="datetime1">
               <a:rPr lang="hu-HU" smtClean="0"/>
-              <a:t>2016. 09. 21.</a:t>
+              <a:t>2016. 10. 27.</a:t>
             </a:fld>
             <a:endParaRPr lang="hu-HU"/>
           </a:p>
@@ -1226,7 +1227,7 @@
           <a:p>
             <a:fld id="{8CDBE49A-8C5A-4348-B4FD-51716FB0DFB7}" type="datetime1">
               <a:rPr lang="hu-HU" smtClean="0"/>
-              <a:t>2016. 09. 21.</a:t>
+              <a:t>2016. 10. 27.</a:t>
             </a:fld>
             <a:endParaRPr lang="hu-HU"/>
           </a:p>
@@ -1404,7 +1405,7 @@
           <a:p>
             <a:fld id="{CEA0B777-2617-4695-A2C9-22B245F79A58}" type="datetime1">
               <a:rPr lang="hu-HU" smtClean="0"/>
-              <a:t>2016. 09. 21.</a:t>
+              <a:t>2016. 10. 27.</a:t>
             </a:fld>
             <a:endParaRPr lang="hu-HU"/>
           </a:p>
@@ -1572,7 +1573,7 @@
           <a:p>
             <a:fld id="{785527A6-9D01-4B08-B8AA-AAF9E458FE0E}" type="datetime1">
               <a:rPr lang="hu-HU" smtClean="0"/>
-              <a:t>2016. 09. 21.</a:t>
+              <a:t>2016. 10. 27.</a:t>
             </a:fld>
             <a:endParaRPr lang="hu-HU"/>
           </a:p>
@@ -1817,7 +1818,7 @@
           <a:p>
             <a:fld id="{EF79FBB3-A07C-466F-9A6E-DC70BDEC923D}" type="datetime1">
               <a:rPr lang="hu-HU" smtClean="0"/>
-              <a:t>2016. 09. 21.</a:t>
+              <a:t>2016. 10. 27.</a:t>
             </a:fld>
             <a:endParaRPr lang="hu-HU"/>
           </a:p>
@@ -2046,7 +2047,7 @@
           <a:p>
             <a:fld id="{1AEE333E-D270-4806-A2E0-2F7BC81CC466}" type="datetime1">
               <a:rPr lang="hu-HU" smtClean="0"/>
-              <a:t>2016. 09. 21.</a:t>
+              <a:t>2016. 10. 27.</a:t>
             </a:fld>
             <a:endParaRPr lang="hu-HU"/>
           </a:p>
@@ -2410,7 +2411,7 @@
           <a:p>
             <a:fld id="{443038E4-C050-4482-AFC2-EDA5BA461242}" type="datetime1">
               <a:rPr lang="hu-HU" smtClean="0"/>
-              <a:t>2016. 09. 21.</a:t>
+              <a:t>2016. 10. 27.</a:t>
             </a:fld>
             <a:endParaRPr lang="hu-HU"/>
           </a:p>
@@ -2527,7 +2528,7 @@
           <a:p>
             <a:fld id="{1F22CFAB-AB79-49CC-A712-F027B8DE8C91}" type="datetime1">
               <a:rPr lang="hu-HU" smtClean="0"/>
-              <a:t>2016. 09. 21.</a:t>
+              <a:t>2016. 10. 27.</a:t>
             </a:fld>
             <a:endParaRPr lang="hu-HU"/>
           </a:p>
@@ -2622,7 +2623,7 @@
           <a:p>
             <a:fld id="{9402AE07-244C-4393-8FAD-000AD27152A9}" type="datetime1">
               <a:rPr lang="hu-HU" smtClean="0"/>
-              <a:t>2016. 09. 21.</a:t>
+              <a:t>2016. 10. 27.</a:t>
             </a:fld>
             <a:endParaRPr lang="hu-HU"/>
           </a:p>
@@ -2897,7 +2898,7 @@
           <a:p>
             <a:fld id="{AA2477F9-8DFF-4165-9C2D-0E3F1160031B}" type="datetime1">
               <a:rPr lang="hu-HU" smtClean="0"/>
-              <a:t>2016. 09. 21.</a:t>
+              <a:t>2016. 10. 27.</a:t>
             </a:fld>
             <a:endParaRPr lang="hu-HU"/>
           </a:p>
@@ -3149,7 +3150,7 @@
           <a:p>
             <a:fld id="{9329FBAF-374F-4A7C-9AF2-B65FF729B51E}" type="datetime1">
               <a:rPr lang="hu-HU" smtClean="0"/>
-              <a:t>2016. 09. 21.</a:t>
+              <a:t>2016. 10. 27.</a:t>
             </a:fld>
             <a:endParaRPr lang="hu-HU"/>
           </a:p>
@@ -3365,7 +3366,7 @@
           <a:p>
             <a:fld id="{62DE89C0-C9B0-4F8B-ADAE-38C0D06B8D91}" type="datetime1">
               <a:rPr lang="hu-HU" smtClean="0"/>
-              <a:t>2016. 09. 21.</a:t>
+              <a:t>2016. 10. 27.</a:t>
             </a:fld>
             <a:endParaRPr lang="hu-HU"/>
           </a:p>
@@ -14173,72 +14174,6 @@
       </p:sp>
       <p:sp>
         <p:nvSpPr>
-          <p:cNvPr id="33" name="Lekerekített téglalap 32"/>
-          <p:cNvSpPr/>
-          <p:nvPr/>
-        </p:nvSpPr>
-        <p:spPr>
-          <a:xfrm>
-            <a:off x="4898021" y="5120400"/>
-            <a:ext cx="1357834" cy="442674"/>
-          </a:xfrm>
-          <a:prstGeom prst="roundRect">
-            <a:avLst/>
-          </a:prstGeom>
-          <a:solidFill>
-            <a:srgbClr val="F2F2F2"/>
-          </a:solidFill>
-          <a:ln w="19050">
-            <a:solidFill>
-              <a:srgbClr val="762536"/>
-            </a:solidFill>
-          </a:ln>
-        </p:spPr>
-        <p:style>
-          <a:lnRef idx="2">
-            <a:schemeClr val="accent1">
-              <a:shade val="50000"/>
-            </a:schemeClr>
-          </a:lnRef>
-          <a:fillRef idx="1">
-            <a:schemeClr val="accent1"/>
-          </a:fillRef>
-          <a:effectRef idx="0">
-            <a:schemeClr val="accent1"/>
-          </a:effectRef>
-          <a:fontRef idx="minor">
-            <a:schemeClr val="lt1"/>
-          </a:fontRef>
-        </p:style>
-        <p:txBody>
-          <a:bodyPr wrap="none" rIns="90000" rtlCol="0" anchor="ctr" anchorCtr="0">
-            <a:spAutoFit/>
-          </a:bodyPr>
-          <a:lstStyle/>
-          <a:p>
-            <a:pPr marL="0" lvl="1" algn="ctr"/>
-            <a:r>
-              <a:rPr lang="hu-HU" sz="2000" dirty="0" err="1">
-                <a:solidFill>
-                  <a:schemeClr val="tx1"/>
-                </a:solidFill>
-                <a:latin typeface="Clear Sans Light" panose="020B0303030202020304" pitchFamily="34" charset="0"/>
-                <a:cs typeface="Clear Sans Light" panose="020B0303030202020304" pitchFamily="34" charset="0"/>
-              </a:rPr>
-              <a:t>statement</a:t>
-            </a:r>
-            <a:endParaRPr lang="en-US" sz="2000" dirty="0">
-              <a:solidFill>
-                <a:schemeClr val="tx1"/>
-              </a:solidFill>
-              <a:latin typeface="Clear Sans Light" panose="020B0303030202020304" pitchFamily="34" charset="0"/>
-              <a:cs typeface="Clear Sans Light" panose="020B0303030202020304" pitchFamily="34" charset="0"/>
-            </a:endParaRPr>
-          </a:p>
-        </p:txBody>
-      </p:sp>
-      <p:sp>
-        <p:nvSpPr>
           <p:cNvPr id="34" name="Lekerekített téglalap 33"/>
           <p:cNvSpPr/>
           <p:nvPr/>
@@ -14315,7 +14250,7 @@
         <p:spPr>
           <a:xfrm rot="10800000" flipV="1">
             <a:off x="4437860" y="3214179"/>
-            <a:ext cx="875172" cy="364075"/>
+            <a:ext cx="877758" cy="364075"/>
           </a:xfrm>
           <a:prstGeom prst="curvedConnector2">
             <a:avLst/>
@@ -14353,7 +14288,7 @@
         </p:nvSpPr>
         <p:spPr>
           <a:xfrm>
-            <a:off x="5313032" y="2970060"/>
+            <a:off x="5315618" y="2970060"/>
             <a:ext cx="512401" cy="488240"/>
           </a:xfrm>
           <a:prstGeom prst="diamond">
@@ -14419,7 +14354,7 @@
         </p:nvSpPr>
         <p:spPr>
           <a:xfrm>
-            <a:off x="8249489" y="4915730"/>
+            <a:off x="8246267" y="5137067"/>
             <a:ext cx="925903" cy="442674"/>
           </a:xfrm>
           <a:prstGeom prst="roundRect">
@@ -14484,14 +14419,14 @@
           <p:cNvPr id="44" name="Görbe összekötő 43"/>
           <p:cNvCxnSpPr>
             <a:stCxn id="51" idx="2"/>
-            <a:endCxn id="33" idx="0"/>
+            <a:endCxn id="43" idx="0"/>
           </p:cNvCxnSpPr>
           <p:nvPr/>
         </p:nvCxnSpPr>
         <p:spPr>
           <a:xfrm rot="16200000" flipH="1">
-            <a:off x="4785693" y="4329154"/>
-            <a:ext cx="442943" cy="1139547"/>
+            <a:off x="4785521" y="4329327"/>
+            <a:ext cx="435235" cy="1131494"/>
           </a:xfrm>
           <a:prstGeom prst="curvedConnector3">
             <a:avLst>
@@ -14578,8 +14513,8 @@
         </p:nvCxnSpPr>
         <p:spPr>
           <a:xfrm>
-            <a:off x="5825433" y="3214180"/>
-            <a:ext cx="871702" cy="364074"/>
+            <a:off x="5828019" y="3214180"/>
+            <a:ext cx="869116" cy="364074"/>
           </a:xfrm>
           <a:prstGeom prst="curvedConnector2">
             <a:avLst/>
@@ -14680,14 +14615,14 @@
           <p:cNvPr id="55" name="Görbe összekötő 54"/>
           <p:cNvCxnSpPr>
             <a:stCxn id="32" idx="2"/>
-            <a:endCxn id="33" idx="0"/>
+            <a:endCxn id="43" idx="0"/>
           </p:cNvCxnSpPr>
           <p:nvPr/>
         </p:nvCxnSpPr>
         <p:spPr>
           <a:xfrm rot="5400000">
-            <a:off x="5587301" y="4010566"/>
-            <a:ext cx="1099472" cy="1120197"/>
+            <a:off x="5587128" y="4002685"/>
+            <a:ext cx="1091764" cy="1128250"/>
           </a:xfrm>
           <a:prstGeom prst="curvedConnector3">
             <a:avLst>
@@ -14730,8 +14665,8 @@
         </p:nvCxnSpPr>
         <p:spPr>
           <a:xfrm rot="5400000">
-            <a:off x="5373260" y="2771217"/>
-            <a:ext cx="394816" cy="2870"/>
+            <a:off x="5374553" y="2772510"/>
+            <a:ext cx="394816" cy="284"/>
           </a:xfrm>
           <a:prstGeom prst="curvedConnector3">
             <a:avLst>
@@ -14774,8 +14709,8 @@
         </p:nvCxnSpPr>
         <p:spPr>
           <a:xfrm rot="5400000" flipH="1" flipV="1">
-            <a:off x="7013829" y="1521010"/>
-            <a:ext cx="4455" cy="2893646"/>
+            <a:off x="7015122" y="1522303"/>
+            <a:ext cx="4455" cy="2891060"/>
           </a:xfrm>
           <a:prstGeom prst="curvedConnector3">
             <a:avLst>
@@ -14832,95 +14767,6 @@
               <a:srgbClr val="762536"/>
             </a:solidFill>
             <a:prstDash val="dash"/>
-            <a:tailEnd type="triangle" w="lg" len="lg"/>
-          </a:ln>
-        </p:spPr>
-        <p:style>
-          <a:lnRef idx="1">
-            <a:schemeClr val="accent1"/>
-          </a:lnRef>
-          <a:fillRef idx="0">
-            <a:schemeClr val="accent1"/>
-          </a:fillRef>
-          <a:effectRef idx="0">
-            <a:schemeClr val="accent1"/>
-          </a:effectRef>
-          <a:fontRef idx="minor">
-            <a:schemeClr val="tx1"/>
-          </a:fontRef>
-        </p:style>
-      </p:cxnSp>
-      <p:cxnSp>
-        <p:nvCxnSpPr>
-          <p:cNvPr id="83" name="Görbe összekötő 82"/>
-          <p:cNvCxnSpPr>
-            <a:stCxn id="33" idx="2"/>
-            <a:endCxn id="42" idx="1"/>
-          </p:cNvCxnSpPr>
-          <p:nvPr/>
-        </p:nvCxnSpPr>
-        <p:spPr>
-          <a:xfrm rot="5400000" flipH="1" flipV="1">
-            <a:off x="6700209" y="4013795"/>
-            <a:ext cx="426007" cy="2672551"/>
-          </a:xfrm>
-          <a:prstGeom prst="curvedConnector4">
-            <a:avLst>
-              <a:gd name="adj1" fmla="val -53661"/>
-              <a:gd name="adj2" fmla="val 62702"/>
-            </a:avLst>
-          </a:prstGeom>
-          <a:ln w="15875">
-            <a:solidFill>
-              <a:schemeClr val="accent6">
-                <a:lumMod val="50000"/>
-              </a:schemeClr>
-            </a:solidFill>
-            <a:tailEnd type="triangle" w="lg" len="lg"/>
-          </a:ln>
-        </p:spPr>
-        <p:style>
-          <a:lnRef idx="1">
-            <a:schemeClr val="accent1"/>
-          </a:lnRef>
-          <a:fillRef idx="0">
-            <a:schemeClr val="accent1"/>
-          </a:fillRef>
-          <a:effectRef idx="0">
-            <a:schemeClr val="accent1"/>
-          </a:effectRef>
-          <a:fontRef idx="minor">
-            <a:schemeClr val="tx1"/>
-          </a:fontRef>
-        </p:style>
-      </p:cxnSp>
-      <p:cxnSp>
-        <p:nvCxnSpPr>
-          <p:cNvPr id="88" name="Görbe összekötő 87"/>
-          <p:cNvCxnSpPr>
-            <a:stCxn id="33" idx="2"/>
-            <a:endCxn id="30" idx="1"/>
-          </p:cNvCxnSpPr>
-          <p:nvPr/>
-        </p:nvCxnSpPr>
-        <p:spPr>
-          <a:xfrm rot="5400000" flipH="1">
-            <a:off x="3630478" y="3616615"/>
-            <a:ext cx="3209167" cy="683752"/>
-          </a:xfrm>
-          <a:prstGeom prst="curvedConnector4">
-            <a:avLst>
-              <a:gd name="adj1" fmla="val -7123"/>
-              <a:gd name="adj2" fmla="val 383916"/>
-            </a:avLst>
-          </a:prstGeom>
-          <a:ln w="15875">
-            <a:solidFill>
-              <a:schemeClr val="tx1">
-                <a:lumMod val="50000"/>
-                <a:lumOff val="50000"/>
-              </a:schemeClr>
-            </a:solidFill>
             <a:tailEnd type="triangle" w="lg" len="lg"/>
           </a:ln>
         </p:spPr>
@@ -15003,6 +14849,159 @@
               </a:solidFill>
               <a:latin typeface="Clear Sans" panose="020B0503030202020304" pitchFamily="34" charset="0"/>
               <a:cs typeface="Clear Sans" panose="020B0503030202020304" pitchFamily="34" charset="0"/>
+            </a:endParaRPr>
+          </a:p>
+        </p:txBody>
+      </p:sp>
+      <p:cxnSp>
+        <p:nvCxnSpPr>
+          <p:cNvPr id="23" name="Görbe összekötő 82"/>
+          <p:cNvCxnSpPr>
+            <a:stCxn id="43" idx="3"/>
+            <a:endCxn id="42" idx="1"/>
+          </p:cNvCxnSpPr>
+          <p:nvPr/>
+        </p:nvCxnSpPr>
+        <p:spPr>
+          <a:xfrm>
+            <a:off x="5825085" y="5356812"/>
+            <a:ext cx="2421182" cy="1592"/>
+          </a:xfrm>
+          <a:prstGeom prst="curvedConnector3">
+            <a:avLst>
+              <a:gd name="adj1" fmla="val 50000"/>
+            </a:avLst>
+          </a:prstGeom>
+          <a:ln w="15875">
+            <a:solidFill>
+              <a:schemeClr val="accent6">
+                <a:lumMod val="50000"/>
+              </a:schemeClr>
+            </a:solidFill>
+            <a:tailEnd type="triangle" w="lg" len="lg"/>
+          </a:ln>
+        </p:spPr>
+        <p:style>
+          <a:lnRef idx="1">
+            <a:schemeClr val="accent1"/>
+          </a:lnRef>
+          <a:fillRef idx="0">
+            <a:schemeClr val="accent1"/>
+          </a:fillRef>
+          <a:effectRef idx="0">
+            <a:schemeClr val="accent1"/>
+          </a:effectRef>
+          <a:fontRef idx="minor">
+            <a:schemeClr val="tx1"/>
+          </a:fontRef>
+        </p:style>
+      </p:cxnSp>
+      <p:cxnSp>
+        <p:nvCxnSpPr>
+          <p:cNvPr id="24" name="Görbe összekötő 87"/>
+          <p:cNvCxnSpPr>
+            <a:stCxn id="43" idx="1"/>
+            <a:endCxn id="30" idx="1"/>
+          </p:cNvCxnSpPr>
+          <p:nvPr/>
+        </p:nvCxnSpPr>
+        <p:spPr>
+          <a:xfrm rot="10800000">
+            <a:off x="4893186" y="2353908"/>
+            <a:ext cx="419498" cy="3002905"/>
+          </a:xfrm>
+          <a:prstGeom prst="curvedConnector3">
+            <a:avLst>
+              <a:gd name="adj1" fmla="val 465562"/>
+            </a:avLst>
+          </a:prstGeom>
+          <a:ln w="15875">
+            <a:solidFill>
+              <a:schemeClr val="tx1">
+                <a:lumMod val="50000"/>
+                <a:lumOff val="50000"/>
+              </a:schemeClr>
+            </a:solidFill>
+            <a:tailEnd type="triangle" w="lg" len="lg"/>
+          </a:ln>
+        </p:spPr>
+        <p:style>
+          <a:lnRef idx="1">
+            <a:schemeClr val="accent1"/>
+          </a:lnRef>
+          <a:fillRef idx="0">
+            <a:schemeClr val="accent1"/>
+          </a:fillRef>
+          <a:effectRef idx="0">
+            <a:schemeClr val="accent1"/>
+          </a:effectRef>
+          <a:fontRef idx="minor">
+            <a:schemeClr val="tx1"/>
+          </a:fontRef>
+        </p:style>
+      </p:cxnSp>
+      <p:sp>
+        <p:nvSpPr>
+          <p:cNvPr id="43" name="Rombusz 42"/>
+          <p:cNvSpPr/>
+          <p:nvPr/>
+        </p:nvSpPr>
+        <p:spPr>
+          <a:xfrm>
+            <a:off x="5312684" y="5112692"/>
+            <a:ext cx="512401" cy="488240"/>
+          </a:xfrm>
+          <a:prstGeom prst="diamond">
+            <a:avLst/>
+          </a:prstGeom>
+          <a:solidFill>
+            <a:srgbClr val="F2F2F2"/>
+          </a:solidFill>
+          <a:ln w="19050">
+            <a:solidFill>
+              <a:srgbClr val="762536"/>
+            </a:solidFill>
+          </a:ln>
+        </p:spPr>
+        <p:style>
+          <a:lnRef idx="2">
+            <a:schemeClr val="accent1">
+              <a:shade val="50000"/>
+            </a:schemeClr>
+          </a:lnRef>
+          <a:fillRef idx="1">
+            <a:schemeClr val="accent1"/>
+          </a:fillRef>
+          <a:effectRef idx="0">
+            <a:schemeClr val="accent1"/>
+          </a:effectRef>
+          <a:fontRef idx="minor">
+            <a:schemeClr val="lt1"/>
+          </a:fontRef>
+        </p:style>
+        <p:txBody>
+          <a:bodyPr wrap="square" lIns="0" tIns="0" rIns="0" bIns="0" rtlCol="0" anchor="ctr" anchorCtr="0">
+            <a:noAutofit/>
+          </a:bodyPr>
+          <a:lstStyle/>
+          <a:p>
+            <a:pPr marL="0" lvl="1" algn="ctr"/>
+            <a:r>
+              <a:rPr lang="hu-HU" sz="2000" dirty="0" err="1">
+                <a:solidFill>
+                  <a:schemeClr val="tx1"/>
+                </a:solidFill>
+                <a:latin typeface="Clear Sans Light" panose="020B0303030202020304" pitchFamily="34" charset="0"/>
+                <a:cs typeface="Clear Sans Light" panose="020B0303030202020304" pitchFamily="34" charset="0"/>
+              </a:rPr>
+              <a:t>if</a:t>
+            </a:r>
+            <a:endParaRPr lang="en-US" sz="2000" dirty="0">
+              <a:solidFill>
+                <a:schemeClr val="tx1"/>
+              </a:solidFill>
+              <a:latin typeface="Clear Sans Light" panose="020B0303030202020304" pitchFamily="34" charset="0"/>
+              <a:cs typeface="Clear Sans Light" panose="020B0303030202020304" pitchFamily="34" charset="0"/>
             </a:endParaRPr>
           </a:p>
         </p:txBody>
@@ -15636,124 +15635,7 @@
                                           </p:stCondLst>
                                         </p:cTn>
                                         <p:tgtEl>
-                                          <p:spTgt spid="33"/>
-                                        </p:tgtEl>
-                                        <p:attrNameLst>
-                                          <p:attrName>style.visibility</p:attrName>
-                                        </p:attrNameLst>
-                                      </p:cBhvr>
-                                      <p:to>
-                                        <p:strVal val="visible"/>
-                                      </p:to>
-                                    </p:set>
-                                  </p:childTnLst>
-                                </p:cTn>
-                              </p:par>
-                            </p:childTnLst>
-                          </p:cTn>
-                        </p:par>
-                      </p:childTnLst>
-                    </p:cTn>
-                  </p:par>
-                  <p:par>
-                    <p:cTn id="55" fill="hold">
-                      <p:stCondLst>
-                        <p:cond delay="indefinite"/>
-                      </p:stCondLst>
-                      <p:childTnLst>
-                        <p:par>
-                          <p:cTn id="56" fill="hold">
-                            <p:stCondLst>
-                              <p:cond delay="0"/>
-                            </p:stCondLst>
-                            <p:childTnLst>
-                              <p:par>
-                                <p:cTn id="57" presetID="1" presetClass="entr" presetSubtype="0" fill="hold" nodeType="clickEffect">
-                                  <p:stCondLst>
-                                    <p:cond delay="0"/>
-                                  </p:stCondLst>
-                                  <p:childTnLst>
-                                    <p:set>
-                                      <p:cBhvr>
-                                        <p:cTn id="58" dur="1" fill="hold">
-                                          <p:stCondLst>
-                                            <p:cond delay="0"/>
-                                          </p:stCondLst>
-                                        </p:cTn>
-                                        <p:tgtEl>
-                                          <p:spTgt spid="88"/>
-                                        </p:tgtEl>
-                                        <p:attrNameLst>
-                                          <p:attrName>style.visibility</p:attrName>
-                                        </p:attrNameLst>
-                                      </p:cBhvr>
-                                      <p:to>
-                                        <p:strVal val="visible"/>
-                                      </p:to>
-                                    </p:set>
-                                  </p:childTnLst>
-                                </p:cTn>
-                              </p:par>
-                            </p:childTnLst>
-                          </p:cTn>
-                        </p:par>
-                      </p:childTnLst>
-                    </p:cTn>
-                  </p:par>
-                  <p:par>
-                    <p:cTn id="59" fill="hold">
-                      <p:stCondLst>
-                        <p:cond delay="indefinite"/>
-                      </p:stCondLst>
-                      <p:childTnLst>
-                        <p:par>
-                          <p:cTn id="60" fill="hold">
-                            <p:stCondLst>
-                              <p:cond delay="0"/>
-                            </p:stCondLst>
-                            <p:childTnLst>
-                              <p:par>
-                                <p:cTn id="61" presetID="1" presetClass="exit" presetSubtype="0" fill="hold" nodeType="clickEffect">
-                                  <p:stCondLst>
-                                    <p:cond delay="0"/>
-                                  </p:stCondLst>
-                                  <p:childTnLst>
-                                    <p:set>
-                                      <p:cBhvr>
-                                        <p:cTn id="62" dur="1" fill="hold">
-                                          <p:stCondLst>
-                                            <p:cond delay="0"/>
-                                          </p:stCondLst>
-                                        </p:cTn>
-                                        <p:tgtEl>
-                                          <p:spTgt spid="88"/>
-                                        </p:tgtEl>
-                                        <p:attrNameLst>
-                                          <p:attrName>style.visibility</p:attrName>
-                                        </p:attrNameLst>
-                                      </p:cBhvr>
-                                      <p:to>
-                                        <p:strVal val="hidden"/>
-                                      </p:to>
-                                    </p:set>
-                                  </p:childTnLst>
-                                </p:cTn>
-                              </p:par>
-                              <p:par>
-                                <p:cTn id="63" presetID="1" presetClass="entr" presetSubtype="0" fill="hold" nodeType="withEffect">
-                                  <p:stCondLst>
-                                    <p:cond delay="0"/>
-                                  </p:stCondLst>
-                                  <p:childTnLst>
-                                    <p:set>
-                                      <p:cBhvr>
-                                        <p:cTn id="64" dur="1" fill="hold">
-                                          <p:stCondLst>
-                                            <p:cond delay="0"/>
-                                          </p:stCondLst>
-                                        </p:cTn>
-                                        <p:tgtEl>
-                                          <p:spTgt spid="83"/>
+                                          <p:spTgt spid="42"/>
                                         </p:tgtEl>
                                         <p:attrNameLst>
                                           <p:attrName>style.visibility</p:attrName>
@@ -15767,20 +15649,57 @@
                                 </p:cTn>
                               </p:par>
                               <p:par>
-                                <p:cTn id="65" presetID="1" presetClass="entr" presetSubtype="0" fill="hold" grpId="0" nodeType="withEffect">
+                                <p:cTn id="55" presetID="7" presetClass="emph" presetSubtype="2" fill="hold" nodeType="withEffect">
+                                  <p:stCondLst>
+                                    <p:cond delay="0"/>
+                                  </p:stCondLst>
+                                  <p:childTnLst>
+                                    <p:animClr clrSpc="rgb" dir="cw">
+                                      <p:cBhvr>
+                                        <p:cTn id="56" dur="500" fill="hold"/>
+                                        <p:tgtEl>
+                                          <p:spTgt spid="24"/>
+                                        </p:tgtEl>
+                                        <p:attrNameLst>
+                                          <p:attrName>stroke.color</p:attrName>
+                                        </p:attrNameLst>
+                                      </p:cBhvr>
+                                      <p:to>
+                                        <a:schemeClr val="accent2"/>
+                                      </p:to>
+                                    </p:animClr>
+                                    <p:set>
+                                      <p:cBhvr>
+                                        <p:cTn id="57" dur="500" fill="hold"/>
+                                        <p:tgtEl>
+                                          <p:spTgt spid="24"/>
+                                        </p:tgtEl>
+                                        <p:attrNameLst>
+                                          <p:attrName>stroke.on</p:attrName>
+                                        </p:attrNameLst>
+                                      </p:cBhvr>
+                                      <p:to>
+                                        <p:strVal val="true"/>
+                                      </p:to>
+                                    </p:set>
+                                  </p:childTnLst>
+                                </p:cTn>
+                              </p:par>
+                              <p:par>
+                                <p:cTn id="58" presetID="1" presetClass="entr" presetSubtype="0" fill="hold" grpId="0" nodeType="withEffect">
                                   <p:stCondLst>
                                     <p:cond delay="0"/>
                                   </p:stCondLst>
                                   <p:childTnLst>
                                     <p:set>
                                       <p:cBhvr>
-                                        <p:cTn id="66" dur="1" fill="hold">
+                                        <p:cTn id="59" dur="1" fill="hold">
                                           <p:stCondLst>
                                             <p:cond delay="0"/>
                                           </p:stCondLst>
                                         </p:cTn>
                                         <p:tgtEl>
-                                          <p:spTgt spid="42"/>
+                                          <p:spTgt spid="43"/>
                                         </p:tgtEl>
                                         <p:attrNameLst>
                                           <p:attrName>style.visibility</p:attrName>
@@ -15825,18 +15744,2378 @@
       <p:bldP spid="30" grpId="0" animBg="1"/>
       <p:bldP spid="31" grpId="0" animBg="1"/>
       <p:bldP spid="32" grpId="0" animBg="1"/>
-      <p:bldP spid="33" grpId="0" animBg="1"/>
       <p:bldP spid="34" grpId="0" animBg="1"/>
       <p:bldP spid="40" grpId="0" animBg="1"/>
       <p:bldP spid="42" grpId="0" animBg="1"/>
       <p:bldP spid="51" grpId="0" animBg="1"/>
       <p:bldP spid="26" grpId="0" animBg="1"/>
+      <p:bldP spid="43" grpId="0" animBg="1"/>
     </p:bldLst>
   </p:timing>
 </p:sld>
 </file>
 
 <file path=ppt/slides/slide6.xml><?xml version="1.0" encoding="utf-8"?>
+<p:sld xmlns:a="http://schemas.openxmlformats.org/drawingml/2006/main" xmlns:r="http://schemas.openxmlformats.org/officeDocument/2006/relationships" xmlns:p="http://schemas.openxmlformats.org/presentationml/2006/main">
+  <p:cSld>
+    <p:spTree>
+      <p:nvGrpSpPr>
+        <p:cNvPr id="1" name=""/>
+        <p:cNvGrpSpPr/>
+        <p:nvPr/>
+      </p:nvGrpSpPr>
+      <p:grpSpPr>
+        <a:xfrm>
+          <a:off x="0" y="0"/>
+          <a:ext cx="0" cy="0"/>
+          <a:chOff x="0" y="0"/>
+          <a:chExt cx="0" cy="0"/>
+        </a:xfrm>
+      </p:grpSpPr>
+      <p:sp>
+        <p:nvSpPr>
+          <p:cNvPr id="32" name="Lekerekített téglalap 33"/>
+          <p:cNvSpPr/>
+          <p:nvPr/>
+        </p:nvSpPr>
+        <p:spPr>
+          <a:xfrm>
+            <a:off x="8317970" y="548967"/>
+            <a:ext cx="717914" cy="442674"/>
+          </a:xfrm>
+          <a:prstGeom prst="roundRect">
+            <a:avLst/>
+          </a:prstGeom>
+          <a:solidFill>
+            <a:srgbClr val="762536"/>
+          </a:solidFill>
+          <a:ln w="19050">
+            <a:solidFill>
+              <a:srgbClr val="762536"/>
+            </a:solidFill>
+          </a:ln>
+        </p:spPr>
+        <p:style>
+          <a:lnRef idx="2">
+            <a:schemeClr val="accent1">
+              <a:shade val="50000"/>
+            </a:schemeClr>
+          </a:lnRef>
+          <a:fillRef idx="1">
+            <a:schemeClr val="accent1"/>
+          </a:fillRef>
+          <a:effectRef idx="0">
+            <a:schemeClr val="accent1"/>
+          </a:effectRef>
+          <a:fontRef idx="minor">
+            <a:schemeClr val="lt1"/>
+          </a:fontRef>
+        </p:style>
+        <p:txBody>
+          <a:bodyPr wrap="none" rIns="90000" rtlCol="0" anchor="ctr" anchorCtr="0">
+            <a:spAutoFit/>
+          </a:bodyPr>
+          <a:lstStyle/>
+          <a:p>
+            <a:pPr marL="0" lvl="1" algn="ctr"/>
+            <a:r>
+              <a:rPr lang="hu-HU" sz="2000" dirty="0">
+                <a:solidFill>
+                  <a:schemeClr val="bg1"/>
+                </a:solidFill>
+                <a:latin typeface="Clear Sans" panose="020B0503030202020304" pitchFamily="34" charset="0"/>
+                <a:cs typeface="Clear Sans" panose="020B0503030202020304" pitchFamily="34" charset="0"/>
+              </a:rPr>
+              <a:t>hiba</a:t>
+            </a:r>
+            <a:endParaRPr lang="en-US" sz="2000" dirty="0">
+              <a:solidFill>
+                <a:schemeClr val="bg1"/>
+              </a:solidFill>
+              <a:latin typeface="Clear Sans" panose="020B0503030202020304" pitchFamily="34" charset="0"/>
+              <a:cs typeface="Clear Sans" panose="020B0503030202020304" pitchFamily="34" charset="0"/>
+            </a:endParaRPr>
+          </a:p>
+        </p:txBody>
+      </p:sp>
+      <p:sp>
+        <p:nvSpPr>
+          <p:cNvPr id="33" name="Lekerekített téglalap 6"/>
+          <p:cNvSpPr/>
+          <p:nvPr/>
+        </p:nvSpPr>
+        <p:spPr>
+          <a:xfrm>
+            <a:off x="4868996" y="932091"/>
+            <a:ext cx="1127902" cy="442674"/>
+          </a:xfrm>
+          <a:prstGeom prst="roundRect">
+            <a:avLst/>
+          </a:prstGeom>
+          <a:solidFill>
+            <a:srgbClr val="F2F2F2"/>
+          </a:solidFill>
+          <a:ln w="19050">
+            <a:solidFill>
+              <a:srgbClr val="762536"/>
+            </a:solidFill>
+          </a:ln>
+        </p:spPr>
+        <p:style>
+          <a:lnRef idx="2">
+            <a:schemeClr val="accent1">
+              <a:shade val="50000"/>
+            </a:schemeClr>
+          </a:lnRef>
+          <a:fillRef idx="1">
+            <a:schemeClr val="accent1"/>
+          </a:fillRef>
+          <a:effectRef idx="0">
+            <a:schemeClr val="accent1"/>
+          </a:effectRef>
+          <a:fontRef idx="minor">
+            <a:schemeClr val="lt1"/>
+          </a:fontRef>
+        </p:style>
+        <p:txBody>
+          <a:bodyPr wrap="none" rIns="90000" rtlCol="0" anchor="ctr" anchorCtr="0">
+            <a:spAutoFit/>
+          </a:bodyPr>
+          <a:lstStyle/>
+          <a:p>
+            <a:pPr marL="0" lvl="1" algn="ctr"/>
+            <a:r>
+              <a:rPr lang="hu-HU" sz="2000" dirty="0">
+                <a:solidFill>
+                  <a:schemeClr val="tx1"/>
+                </a:solidFill>
+                <a:latin typeface="Clear Sans Light" panose="020B0303030202020304" pitchFamily="34" charset="0"/>
+                <a:cs typeface="Clear Sans Light" panose="020B0303030202020304" pitchFamily="34" charset="0"/>
+              </a:rPr>
+              <a:t>utasítás</a:t>
+            </a:r>
+            <a:endParaRPr lang="en-US" sz="2000" dirty="0">
+              <a:solidFill>
+                <a:schemeClr val="tx1"/>
+              </a:solidFill>
+              <a:latin typeface="Clear Sans Light" panose="020B0303030202020304" pitchFamily="34" charset="0"/>
+              <a:cs typeface="Clear Sans Light" panose="020B0303030202020304" pitchFamily="34" charset="0"/>
+            </a:endParaRPr>
+          </a:p>
+        </p:txBody>
+      </p:sp>
+      <p:cxnSp>
+        <p:nvCxnSpPr>
+          <p:cNvPr id="34" name="Görbe összekötő 19"/>
+          <p:cNvCxnSpPr>
+            <a:stCxn id="33" idx="2"/>
+            <a:endCxn id="35" idx="0"/>
+          </p:cNvCxnSpPr>
+          <p:nvPr/>
+        </p:nvCxnSpPr>
+        <p:spPr>
+          <a:xfrm rot="16200000" flipH="1">
+            <a:off x="5307364" y="1500348"/>
+            <a:ext cx="254035" cy="2868"/>
+          </a:xfrm>
+          <a:prstGeom prst="curvedConnector3">
+            <a:avLst/>
+          </a:prstGeom>
+          <a:ln w="15875">
+            <a:solidFill>
+              <a:schemeClr val="tx1">
+                <a:lumMod val="50000"/>
+                <a:lumOff val="50000"/>
+              </a:schemeClr>
+            </a:solidFill>
+            <a:tailEnd type="triangle" w="lg" len="lg"/>
+          </a:ln>
+        </p:spPr>
+        <p:style>
+          <a:lnRef idx="1">
+            <a:schemeClr val="accent1"/>
+          </a:lnRef>
+          <a:fillRef idx="0">
+            <a:schemeClr val="accent1"/>
+          </a:fillRef>
+          <a:effectRef idx="0">
+            <a:schemeClr val="accent1"/>
+          </a:effectRef>
+          <a:fontRef idx="minor">
+            <a:schemeClr val="tx1"/>
+          </a:fontRef>
+        </p:style>
+      </p:cxnSp>
+      <p:sp>
+        <p:nvSpPr>
+          <p:cNvPr id="35" name="Lekerekített téglalap 29"/>
+          <p:cNvSpPr/>
+          <p:nvPr/>
+        </p:nvSpPr>
+        <p:spPr>
+          <a:xfrm>
+            <a:off x="4871864" y="1628800"/>
+            <a:ext cx="1127902" cy="442674"/>
+          </a:xfrm>
+          <a:prstGeom prst="roundRect">
+            <a:avLst/>
+          </a:prstGeom>
+          <a:solidFill>
+            <a:srgbClr val="F2F2F2"/>
+          </a:solidFill>
+          <a:ln w="19050">
+            <a:solidFill>
+              <a:srgbClr val="762536"/>
+            </a:solidFill>
+          </a:ln>
+        </p:spPr>
+        <p:style>
+          <a:lnRef idx="2">
+            <a:schemeClr val="accent1">
+              <a:shade val="50000"/>
+            </a:schemeClr>
+          </a:lnRef>
+          <a:fillRef idx="1">
+            <a:schemeClr val="accent1"/>
+          </a:fillRef>
+          <a:effectRef idx="0">
+            <a:schemeClr val="accent1"/>
+          </a:effectRef>
+          <a:fontRef idx="minor">
+            <a:schemeClr val="lt1"/>
+          </a:fontRef>
+        </p:style>
+        <p:txBody>
+          <a:bodyPr wrap="none" rIns="90000" rtlCol="0" anchor="ctr" anchorCtr="0">
+            <a:spAutoFit/>
+          </a:bodyPr>
+          <a:lstStyle/>
+          <a:p>
+            <a:pPr marL="0" lvl="1" algn="ctr"/>
+            <a:r>
+              <a:rPr lang="hu-HU" sz="2000" dirty="0">
+                <a:solidFill>
+                  <a:schemeClr val="tx1"/>
+                </a:solidFill>
+                <a:latin typeface="Clear Sans Light" panose="020B0303030202020304" pitchFamily="34" charset="0"/>
+                <a:cs typeface="Clear Sans Light" panose="020B0303030202020304" pitchFamily="34" charset="0"/>
+              </a:rPr>
+              <a:t>utasítás</a:t>
+            </a:r>
+            <a:endParaRPr lang="en-US" sz="2000" dirty="0">
+              <a:solidFill>
+                <a:schemeClr val="tx1"/>
+              </a:solidFill>
+              <a:latin typeface="Clear Sans Light" panose="020B0303030202020304" pitchFamily="34" charset="0"/>
+              <a:cs typeface="Clear Sans Light" panose="020B0303030202020304" pitchFamily="34" charset="0"/>
+            </a:endParaRPr>
+          </a:p>
+        </p:txBody>
+      </p:sp>
+      <p:sp>
+        <p:nvSpPr>
+          <p:cNvPr id="36" name="Lekerekített téglalap 30"/>
+          <p:cNvSpPr/>
+          <p:nvPr/>
+        </p:nvSpPr>
+        <p:spPr>
+          <a:xfrm>
+            <a:off x="3737622" y="3074485"/>
+            <a:ext cx="1127902" cy="442674"/>
+          </a:xfrm>
+          <a:prstGeom prst="roundRect">
+            <a:avLst/>
+          </a:prstGeom>
+          <a:solidFill>
+            <a:srgbClr val="F2F2F2"/>
+          </a:solidFill>
+          <a:ln w="19050">
+            <a:solidFill>
+              <a:srgbClr val="762536"/>
+            </a:solidFill>
+          </a:ln>
+        </p:spPr>
+        <p:style>
+          <a:lnRef idx="2">
+            <a:schemeClr val="accent1">
+              <a:shade val="50000"/>
+            </a:schemeClr>
+          </a:lnRef>
+          <a:fillRef idx="1">
+            <a:schemeClr val="accent1"/>
+          </a:fillRef>
+          <a:effectRef idx="0">
+            <a:schemeClr val="accent1"/>
+          </a:effectRef>
+          <a:fontRef idx="minor">
+            <a:schemeClr val="lt1"/>
+          </a:fontRef>
+        </p:style>
+        <p:txBody>
+          <a:bodyPr wrap="none" rIns="90000" rtlCol="0" anchor="ctr" anchorCtr="0">
+            <a:spAutoFit/>
+          </a:bodyPr>
+          <a:lstStyle/>
+          <a:p>
+            <a:pPr marL="0" lvl="1" algn="ctr"/>
+            <a:r>
+              <a:rPr lang="hu-HU" sz="2000" dirty="0">
+                <a:solidFill>
+                  <a:schemeClr val="tx1"/>
+                </a:solidFill>
+                <a:latin typeface="Clear Sans Light" panose="020B0303030202020304" pitchFamily="34" charset="0"/>
+                <a:cs typeface="Clear Sans Light" panose="020B0303030202020304" pitchFamily="34" charset="0"/>
+              </a:rPr>
+              <a:t>utasítás</a:t>
+            </a:r>
+            <a:endParaRPr lang="en-US" sz="2000" dirty="0">
+              <a:solidFill>
+                <a:schemeClr val="tx1"/>
+              </a:solidFill>
+              <a:latin typeface="Clear Sans Light" panose="020B0303030202020304" pitchFamily="34" charset="0"/>
+              <a:cs typeface="Clear Sans Light" panose="020B0303030202020304" pitchFamily="34" charset="0"/>
+            </a:endParaRPr>
+          </a:p>
+        </p:txBody>
+      </p:sp>
+      <p:sp>
+        <p:nvSpPr>
+          <p:cNvPr id="37" name="Lekerekített téglalap 31"/>
+          <p:cNvSpPr/>
+          <p:nvPr/>
+        </p:nvSpPr>
+        <p:spPr>
+          <a:xfrm>
+            <a:off x="5996898" y="3074485"/>
+            <a:ext cx="1127902" cy="442674"/>
+          </a:xfrm>
+          <a:prstGeom prst="roundRect">
+            <a:avLst/>
+          </a:prstGeom>
+          <a:solidFill>
+            <a:srgbClr val="F2F2F2"/>
+          </a:solidFill>
+          <a:ln w="19050">
+            <a:solidFill>
+              <a:srgbClr val="762536"/>
+            </a:solidFill>
+          </a:ln>
+        </p:spPr>
+        <p:style>
+          <a:lnRef idx="2">
+            <a:schemeClr val="accent1">
+              <a:shade val="50000"/>
+            </a:schemeClr>
+          </a:lnRef>
+          <a:fillRef idx="1">
+            <a:schemeClr val="accent1"/>
+          </a:fillRef>
+          <a:effectRef idx="0">
+            <a:schemeClr val="accent1"/>
+          </a:effectRef>
+          <a:fontRef idx="minor">
+            <a:schemeClr val="lt1"/>
+          </a:fontRef>
+        </p:style>
+        <p:txBody>
+          <a:bodyPr wrap="none" rIns="90000" rtlCol="0" anchor="ctr" anchorCtr="0">
+            <a:spAutoFit/>
+          </a:bodyPr>
+          <a:lstStyle/>
+          <a:p>
+            <a:pPr marL="0" lvl="1" algn="ctr"/>
+            <a:r>
+              <a:rPr lang="hu-HU" sz="2000" dirty="0">
+                <a:solidFill>
+                  <a:schemeClr val="tx1"/>
+                </a:solidFill>
+                <a:latin typeface="Clear Sans Light" panose="020B0303030202020304" pitchFamily="34" charset="0"/>
+                <a:cs typeface="Clear Sans Light" panose="020B0303030202020304" pitchFamily="34" charset="0"/>
+              </a:rPr>
+              <a:t>utasítás</a:t>
+            </a:r>
+            <a:endParaRPr lang="en-US" sz="2000" dirty="0">
+              <a:solidFill>
+                <a:schemeClr val="tx1"/>
+              </a:solidFill>
+              <a:latin typeface="Clear Sans Light" panose="020B0303030202020304" pitchFamily="34" charset="0"/>
+              <a:cs typeface="Clear Sans Light" panose="020B0303030202020304" pitchFamily="34" charset="0"/>
+            </a:endParaRPr>
+          </a:p>
+        </p:txBody>
+      </p:sp>
+      <p:sp>
+        <p:nvSpPr>
+          <p:cNvPr id="38" name="Lekerekített téglalap 32"/>
+          <p:cNvSpPr/>
+          <p:nvPr/>
+        </p:nvSpPr>
+        <p:spPr>
+          <a:xfrm>
+            <a:off x="4876701" y="4616631"/>
+            <a:ext cx="1127902" cy="442674"/>
+          </a:xfrm>
+          <a:prstGeom prst="roundRect">
+            <a:avLst/>
+          </a:prstGeom>
+          <a:solidFill>
+            <a:srgbClr val="F2F2F2"/>
+          </a:solidFill>
+          <a:ln w="19050">
+            <a:solidFill>
+              <a:srgbClr val="762536"/>
+            </a:solidFill>
+          </a:ln>
+        </p:spPr>
+        <p:style>
+          <a:lnRef idx="2">
+            <a:schemeClr val="accent1">
+              <a:shade val="50000"/>
+            </a:schemeClr>
+          </a:lnRef>
+          <a:fillRef idx="1">
+            <a:schemeClr val="accent1"/>
+          </a:fillRef>
+          <a:effectRef idx="0">
+            <a:schemeClr val="accent1"/>
+          </a:effectRef>
+          <a:fontRef idx="minor">
+            <a:schemeClr val="lt1"/>
+          </a:fontRef>
+        </p:style>
+        <p:txBody>
+          <a:bodyPr wrap="none" rIns="90000" rtlCol="0" anchor="ctr" anchorCtr="0">
+            <a:spAutoFit/>
+          </a:bodyPr>
+          <a:lstStyle/>
+          <a:p>
+            <a:pPr marL="0" lvl="1" algn="ctr"/>
+            <a:r>
+              <a:rPr lang="hu-HU" sz="2000" dirty="0">
+                <a:solidFill>
+                  <a:schemeClr val="tx1"/>
+                </a:solidFill>
+                <a:latin typeface="Clear Sans Light" panose="020B0303030202020304" pitchFamily="34" charset="0"/>
+                <a:cs typeface="Clear Sans Light" panose="020B0303030202020304" pitchFamily="34" charset="0"/>
+              </a:rPr>
+              <a:t>utasítás</a:t>
+            </a:r>
+            <a:endParaRPr lang="en-US" sz="2000" dirty="0">
+              <a:solidFill>
+                <a:schemeClr val="tx1"/>
+              </a:solidFill>
+              <a:latin typeface="Clear Sans Light" panose="020B0303030202020304" pitchFamily="34" charset="0"/>
+              <a:cs typeface="Clear Sans Light" panose="020B0303030202020304" pitchFamily="34" charset="0"/>
+            </a:endParaRPr>
+          </a:p>
+        </p:txBody>
+      </p:sp>
+      <p:cxnSp>
+        <p:nvCxnSpPr>
+          <p:cNvPr id="39" name="Görbe összekötő 36"/>
+          <p:cNvCxnSpPr>
+            <a:stCxn id="40" idx="1"/>
+            <a:endCxn id="36" idx="0"/>
+          </p:cNvCxnSpPr>
+          <p:nvPr/>
+        </p:nvCxnSpPr>
+        <p:spPr>
+          <a:xfrm rot="10800000" flipV="1">
+            <a:off x="4301574" y="2710411"/>
+            <a:ext cx="875173" cy="364074"/>
+          </a:xfrm>
+          <a:prstGeom prst="curvedConnector2">
+            <a:avLst/>
+          </a:prstGeom>
+          <a:ln w="15875">
+            <a:solidFill>
+              <a:schemeClr val="tx1">
+                <a:lumMod val="50000"/>
+                <a:lumOff val="50000"/>
+              </a:schemeClr>
+            </a:solidFill>
+            <a:tailEnd type="triangle" w="lg" len="lg"/>
+          </a:ln>
+        </p:spPr>
+        <p:style>
+          <a:lnRef idx="1">
+            <a:schemeClr val="accent1"/>
+          </a:lnRef>
+          <a:fillRef idx="0">
+            <a:schemeClr val="accent1"/>
+          </a:fillRef>
+          <a:effectRef idx="0">
+            <a:schemeClr val="accent1"/>
+          </a:effectRef>
+          <a:fontRef idx="minor">
+            <a:schemeClr val="tx1"/>
+          </a:fontRef>
+        </p:style>
+      </p:cxnSp>
+      <p:sp>
+        <p:nvSpPr>
+          <p:cNvPr id="40" name="Rombusz 39"/>
+          <p:cNvSpPr/>
+          <p:nvPr/>
+        </p:nvSpPr>
+        <p:spPr>
+          <a:xfrm>
+            <a:off x="5176746" y="2466291"/>
+            <a:ext cx="512401" cy="488240"/>
+          </a:xfrm>
+          <a:prstGeom prst="diamond">
+            <a:avLst/>
+          </a:prstGeom>
+          <a:solidFill>
+            <a:srgbClr val="F2F2F2"/>
+          </a:solidFill>
+          <a:ln w="19050">
+            <a:solidFill>
+              <a:srgbClr val="762536"/>
+            </a:solidFill>
+          </a:ln>
+        </p:spPr>
+        <p:style>
+          <a:lnRef idx="2">
+            <a:schemeClr val="accent1">
+              <a:shade val="50000"/>
+            </a:schemeClr>
+          </a:lnRef>
+          <a:fillRef idx="1">
+            <a:schemeClr val="accent1"/>
+          </a:fillRef>
+          <a:effectRef idx="0">
+            <a:schemeClr val="accent1"/>
+          </a:effectRef>
+          <a:fontRef idx="minor">
+            <a:schemeClr val="lt1"/>
+          </a:fontRef>
+        </p:style>
+        <p:txBody>
+          <a:bodyPr wrap="square" lIns="0" tIns="0" rIns="0" bIns="0" rtlCol="0" anchor="ctr" anchorCtr="0">
+            <a:noAutofit/>
+          </a:bodyPr>
+          <a:lstStyle/>
+          <a:p>
+            <a:pPr marL="0" lvl="1" algn="ctr"/>
+            <a:r>
+              <a:rPr lang="hu-HU" sz="2000" dirty="0" err="1">
+                <a:solidFill>
+                  <a:schemeClr val="tx1"/>
+                </a:solidFill>
+                <a:latin typeface="Clear Sans Light" panose="020B0303030202020304" pitchFamily="34" charset="0"/>
+                <a:cs typeface="Clear Sans Light" panose="020B0303030202020304" pitchFamily="34" charset="0"/>
+              </a:rPr>
+              <a:t>if</a:t>
+            </a:r>
+            <a:endParaRPr lang="en-US" sz="2000" dirty="0">
+              <a:solidFill>
+                <a:schemeClr val="tx1"/>
+              </a:solidFill>
+              <a:latin typeface="Clear Sans Light" panose="020B0303030202020304" pitchFamily="34" charset="0"/>
+              <a:cs typeface="Clear Sans Light" panose="020B0303030202020304" pitchFamily="34" charset="0"/>
+            </a:endParaRPr>
+          </a:p>
+        </p:txBody>
+      </p:sp>
+      <p:sp>
+        <p:nvSpPr>
+          <p:cNvPr id="41" name="Lekerekített téglalap 41"/>
+          <p:cNvSpPr/>
+          <p:nvPr/>
+        </p:nvSpPr>
+        <p:spPr>
+          <a:xfrm>
+            <a:off x="8314748" y="4411961"/>
+            <a:ext cx="724358" cy="442674"/>
+          </a:xfrm>
+          <a:prstGeom prst="roundRect">
+            <a:avLst/>
+          </a:prstGeom>
+          <a:solidFill>
+            <a:schemeClr val="accent6">
+              <a:lumMod val="50000"/>
+            </a:schemeClr>
+          </a:solidFill>
+          <a:ln w="19050">
+            <a:solidFill>
+              <a:srgbClr val="762536"/>
+            </a:solidFill>
+          </a:ln>
+        </p:spPr>
+        <p:style>
+          <a:lnRef idx="2">
+            <a:schemeClr val="accent1">
+              <a:shade val="50000"/>
+            </a:schemeClr>
+          </a:lnRef>
+          <a:fillRef idx="1">
+            <a:schemeClr val="accent1"/>
+          </a:fillRef>
+          <a:effectRef idx="0">
+            <a:schemeClr val="accent1"/>
+          </a:effectRef>
+          <a:fontRef idx="minor">
+            <a:schemeClr val="lt1"/>
+          </a:fontRef>
+        </p:style>
+        <p:txBody>
+          <a:bodyPr wrap="none" rIns="90000" rtlCol="0" anchor="ctr" anchorCtr="0">
+            <a:spAutoFit/>
+          </a:bodyPr>
+          <a:lstStyle/>
+          <a:p>
+            <a:pPr marL="0" lvl="1" algn="ctr"/>
+            <a:r>
+              <a:rPr lang="hu-HU" sz="2000" dirty="0">
+                <a:solidFill>
+                  <a:schemeClr val="bg1"/>
+                </a:solidFill>
+                <a:latin typeface="Clear Sans" panose="020B0503030202020304" pitchFamily="34" charset="0"/>
+                <a:cs typeface="Clear Sans" panose="020B0503030202020304" pitchFamily="34" charset="0"/>
+              </a:rPr>
+              <a:t>kész</a:t>
+            </a:r>
+            <a:endParaRPr lang="en-US" sz="2000" dirty="0">
+              <a:solidFill>
+                <a:schemeClr val="bg1"/>
+              </a:solidFill>
+              <a:latin typeface="Clear Sans" panose="020B0503030202020304" pitchFamily="34" charset="0"/>
+              <a:cs typeface="Clear Sans" panose="020B0503030202020304" pitchFamily="34" charset="0"/>
+            </a:endParaRPr>
+          </a:p>
+        </p:txBody>
+      </p:sp>
+      <p:sp>
+        <p:nvSpPr>
+          <p:cNvPr id="42" name="Lekerekített téglalap 42"/>
+          <p:cNvSpPr/>
+          <p:nvPr/>
+        </p:nvSpPr>
+        <p:spPr>
+          <a:xfrm>
+            <a:off x="7964249" y="2461836"/>
+            <a:ext cx="1010019" cy="442674"/>
+          </a:xfrm>
+          <a:prstGeom prst="roundRect">
+            <a:avLst/>
+          </a:prstGeom>
+          <a:solidFill>
+            <a:schemeClr val="bg2">
+              <a:lumMod val="90000"/>
+            </a:schemeClr>
+          </a:solidFill>
+          <a:ln w="19050">
+            <a:solidFill>
+              <a:srgbClr val="762536"/>
+            </a:solidFill>
+          </a:ln>
+        </p:spPr>
+        <p:style>
+          <a:lnRef idx="2">
+            <a:schemeClr val="accent1">
+              <a:shade val="50000"/>
+            </a:schemeClr>
+          </a:lnRef>
+          <a:fillRef idx="1">
+            <a:schemeClr val="accent1"/>
+          </a:fillRef>
+          <a:effectRef idx="0">
+            <a:schemeClr val="accent1"/>
+          </a:effectRef>
+          <a:fontRef idx="minor">
+            <a:schemeClr val="lt1"/>
+          </a:fontRef>
+        </p:style>
+        <p:txBody>
+          <a:bodyPr wrap="none" rIns="90000" rtlCol="0" anchor="ctr" anchorCtr="0">
+            <a:spAutoFit/>
+          </a:bodyPr>
+          <a:lstStyle/>
+          <a:p>
+            <a:pPr marL="0" lvl="1"/>
+            <a:r>
+              <a:rPr lang="hu-HU" sz="2000" dirty="0">
+                <a:solidFill>
+                  <a:schemeClr val="tx1"/>
+                </a:solidFill>
+                <a:latin typeface="Clear Sans" panose="020B0503030202020304" pitchFamily="34" charset="0"/>
+                <a:cs typeface="Clear Sans" panose="020B0503030202020304" pitchFamily="34" charset="0"/>
+              </a:rPr>
+              <a:t>feltétel</a:t>
+            </a:r>
+            <a:endParaRPr lang="en-US" sz="2000" dirty="0">
+              <a:solidFill>
+                <a:schemeClr val="tx1"/>
+              </a:solidFill>
+              <a:latin typeface="Clear Sans" panose="020B0503030202020304" pitchFamily="34" charset="0"/>
+              <a:cs typeface="Clear Sans" panose="020B0503030202020304" pitchFamily="34" charset="0"/>
+            </a:endParaRPr>
+          </a:p>
+        </p:txBody>
+      </p:sp>
+      <p:cxnSp>
+        <p:nvCxnSpPr>
+          <p:cNvPr id="43" name="Görbe összekötő 43"/>
+          <p:cNvCxnSpPr>
+            <a:stCxn id="46" idx="2"/>
+            <a:endCxn id="38" idx="0"/>
+          </p:cNvCxnSpPr>
+          <p:nvPr/>
+        </p:nvCxnSpPr>
+        <p:spPr>
+          <a:xfrm rot="16200000" flipH="1">
+            <a:off x="4649407" y="3825385"/>
+            <a:ext cx="442943" cy="1139547"/>
+          </a:xfrm>
+          <a:prstGeom prst="curvedConnector3">
+            <a:avLst>
+              <a:gd name="adj1" fmla="val 50000"/>
+            </a:avLst>
+          </a:prstGeom>
+          <a:ln w="15875">
+            <a:solidFill>
+              <a:schemeClr val="tx1">
+                <a:lumMod val="50000"/>
+                <a:lumOff val="50000"/>
+              </a:schemeClr>
+            </a:solidFill>
+            <a:tailEnd type="triangle" w="lg" len="lg"/>
+          </a:ln>
+        </p:spPr>
+        <p:style>
+          <a:lnRef idx="1">
+            <a:schemeClr val="accent1"/>
+          </a:lnRef>
+          <a:fillRef idx="0">
+            <a:schemeClr val="accent1"/>
+          </a:fillRef>
+          <a:effectRef idx="0">
+            <a:schemeClr val="accent1"/>
+          </a:effectRef>
+          <a:fontRef idx="minor">
+            <a:schemeClr val="tx1"/>
+          </a:fontRef>
+        </p:style>
+      </p:cxnSp>
+      <p:cxnSp>
+        <p:nvCxnSpPr>
+          <p:cNvPr id="44" name="Görbe összekötő 44"/>
+          <p:cNvCxnSpPr>
+            <a:stCxn id="36" idx="2"/>
+            <a:endCxn id="46" idx="0"/>
+          </p:cNvCxnSpPr>
+          <p:nvPr/>
+        </p:nvCxnSpPr>
+        <p:spPr>
+          <a:xfrm rot="5400000">
+            <a:off x="4194412" y="3623852"/>
+            <a:ext cx="213855" cy="468"/>
+          </a:xfrm>
+          <a:prstGeom prst="curvedConnector3">
+            <a:avLst>
+              <a:gd name="adj1" fmla="val 50000"/>
+            </a:avLst>
+          </a:prstGeom>
+          <a:ln w="15875">
+            <a:solidFill>
+              <a:schemeClr val="tx1">
+                <a:lumMod val="50000"/>
+                <a:lumOff val="50000"/>
+              </a:schemeClr>
+            </a:solidFill>
+            <a:tailEnd type="triangle" w="lg" len="lg"/>
+          </a:ln>
+        </p:spPr>
+        <p:style>
+          <a:lnRef idx="1">
+            <a:schemeClr val="accent1"/>
+          </a:lnRef>
+          <a:fillRef idx="0">
+            <a:schemeClr val="accent1"/>
+          </a:fillRef>
+          <a:effectRef idx="0">
+            <a:schemeClr val="accent1"/>
+          </a:effectRef>
+          <a:fontRef idx="minor">
+            <a:schemeClr val="tx1"/>
+          </a:fontRef>
+        </p:style>
+      </p:cxnSp>
+      <p:cxnSp>
+        <p:nvCxnSpPr>
+          <p:cNvPr id="45" name="Görbe összekötő 45"/>
+          <p:cNvCxnSpPr>
+            <a:stCxn id="40" idx="3"/>
+            <a:endCxn id="37" idx="0"/>
+          </p:cNvCxnSpPr>
+          <p:nvPr/>
+        </p:nvCxnSpPr>
+        <p:spPr>
+          <a:xfrm>
+            <a:off x="5689147" y="2710411"/>
+            <a:ext cx="871702" cy="364074"/>
+          </a:xfrm>
+          <a:prstGeom prst="curvedConnector2">
+            <a:avLst/>
+          </a:prstGeom>
+          <a:ln w="15875">
+            <a:solidFill>
+              <a:schemeClr val="tx1">
+                <a:lumMod val="50000"/>
+                <a:lumOff val="50000"/>
+              </a:schemeClr>
+            </a:solidFill>
+            <a:tailEnd type="triangle" w="lg" len="lg"/>
+          </a:ln>
+        </p:spPr>
+        <p:style>
+          <a:lnRef idx="1">
+            <a:schemeClr val="accent1"/>
+          </a:lnRef>
+          <a:fillRef idx="0">
+            <a:schemeClr val="accent1"/>
+          </a:fillRef>
+          <a:effectRef idx="0">
+            <a:schemeClr val="accent1"/>
+          </a:effectRef>
+          <a:fontRef idx="minor">
+            <a:schemeClr val="tx1"/>
+          </a:fontRef>
+        </p:style>
+      </p:cxnSp>
+      <p:sp>
+        <p:nvSpPr>
+          <p:cNvPr id="46" name="Lekerekített téglalap 50"/>
+          <p:cNvSpPr/>
+          <p:nvPr/>
+        </p:nvSpPr>
+        <p:spPr>
+          <a:xfrm>
+            <a:off x="3737154" y="3731014"/>
+            <a:ext cx="1127902" cy="442674"/>
+          </a:xfrm>
+          <a:prstGeom prst="roundRect">
+            <a:avLst/>
+          </a:prstGeom>
+          <a:solidFill>
+            <a:srgbClr val="F2F2F2"/>
+          </a:solidFill>
+          <a:ln w="19050">
+            <a:solidFill>
+              <a:srgbClr val="762536"/>
+            </a:solidFill>
+          </a:ln>
+        </p:spPr>
+        <p:style>
+          <a:lnRef idx="2">
+            <a:schemeClr val="accent1">
+              <a:shade val="50000"/>
+            </a:schemeClr>
+          </a:lnRef>
+          <a:fillRef idx="1">
+            <a:schemeClr val="accent1"/>
+          </a:fillRef>
+          <a:effectRef idx="0">
+            <a:schemeClr val="accent1"/>
+          </a:effectRef>
+          <a:fontRef idx="minor">
+            <a:schemeClr val="lt1"/>
+          </a:fontRef>
+        </p:style>
+        <p:txBody>
+          <a:bodyPr wrap="none" rIns="90000" rtlCol="0" anchor="ctr" anchorCtr="0">
+            <a:spAutoFit/>
+          </a:bodyPr>
+          <a:lstStyle/>
+          <a:p>
+            <a:pPr marL="0" lvl="1" algn="ctr"/>
+            <a:r>
+              <a:rPr lang="hu-HU" sz="2000" dirty="0">
+                <a:solidFill>
+                  <a:schemeClr val="tx1"/>
+                </a:solidFill>
+                <a:latin typeface="Clear Sans Light" panose="020B0303030202020304" pitchFamily="34" charset="0"/>
+                <a:cs typeface="Clear Sans Light" panose="020B0303030202020304" pitchFamily="34" charset="0"/>
+              </a:rPr>
+              <a:t>utasítás</a:t>
+            </a:r>
+            <a:endParaRPr lang="en-US" sz="2000" dirty="0">
+              <a:solidFill>
+                <a:schemeClr val="tx1"/>
+              </a:solidFill>
+              <a:latin typeface="Clear Sans Light" panose="020B0303030202020304" pitchFamily="34" charset="0"/>
+              <a:cs typeface="Clear Sans Light" panose="020B0303030202020304" pitchFamily="34" charset="0"/>
+            </a:endParaRPr>
+          </a:p>
+        </p:txBody>
+      </p:sp>
+      <p:cxnSp>
+        <p:nvCxnSpPr>
+          <p:cNvPr id="47" name="Görbe összekötő 54"/>
+          <p:cNvCxnSpPr>
+            <a:stCxn id="37" idx="2"/>
+            <a:endCxn id="38" idx="0"/>
+          </p:cNvCxnSpPr>
+          <p:nvPr/>
+        </p:nvCxnSpPr>
+        <p:spPr>
+          <a:xfrm rot="5400000">
+            <a:off x="5451015" y="3506797"/>
+            <a:ext cx="1099472" cy="1120197"/>
+          </a:xfrm>
+          <a:prstGeom prst="curvedConnector3">
+            <a:avLst>
+              <a:gd name="adj1" fmla="val 50000"/>
+            </a:avLst>
+          </a:prstGeom>
+          <a:ln w="15875">
+            <a:solidFill>
+              <a:schemeClr val="tx1">
+                <a:lumMod val="50000"/>
+                <a:lumOff val="50000"/>
+              </a:schemeClr>
+            </a:solidFill>
+            <a:tailEnd type="triangle" w="lg" len="lg"/>
+          </a:ln>
+        </p:spPr>
+        <p:style>
+          <a:lnRef idx="1">
+            <a:schemeClr val="accent1"/>
+          </a:lnRef>
+          <a:fillRef idx="0">
+            <a:schemeClr val="accent1"/>
+          </a:fillRef>
+          <a:effectRef idx="0">
+            <a:schemeClr val="accent1"/>
+          </a:effectRef>
+          <a:fontRef idx="minor">
+            <a:schemeClr val="tx1"/>
+          </a:fontRef>
+        </p:style>
+      </p:cxnSp>
+      <p:cxnSp>
+        <p:nvCxnSpPr>
+          <p:cNvPr id="48" name="Görbe összekötő 57"/>
+          <p:cNvCxnSpPr>
+            <a:stCxn id="35" idx="2"/>
+            <a:endCxn id="40" idx="0"/>
+          </p:cNvCxnSpPr>
+          <p:nvPr/>
+        </p:nvCxnSpPr>
+        <p:spPr>
+          <a:xfrm rot="5400000">
+            <a:off x="5236973" y="2267448"/>
+            <a:ext cx="394817" cy="2868"/>
+          </a:xfrm>
+          <a:prstGeom prst="curvedConnector3">
+            <a:avLst>
+              <a:gd name="adj1" fmla="val 50000"/>
+            </a:avLst>
+          </a:prstGeom>
+          <a:ln w="15875">
+            <a:solidFill>
+              <a:schemeClr val="tx1">
+                <a:lumMod val="50000"/>
+                <a:lumOff val="50000"/>
+              </a:schemeClr>
+            </a:solidFill>
+            <a:tailEnd type="triangle" w="lg" len="lg"/>
+          </a:ln>
+        </p:spPr>
+        <p:style>
+          <a:lnRef idx="1">
+            <a:schemeClr val="accent1"/>
+          </a:lnRef>
+          <a:fillRef idx="0">
+            <a:schemeClr val="accent1"/>
+          </a:fillRef>
+          <a:effectRef idx="0">
+            <a:schemeClr val="accent1"/>
+          </a:effectRef>
+          <a:fontRef idx="minor">
+            <a:schemeClr val="tx1"/>
+          </a:fontRef>
+        </p:style>
+      </p:cxnSp>
+      <p:cxnSp>
+        <p:nvCxnSpPr>
+          <p:cNvPr id="49" name="Görbe összekötő 60"/>
+          <p:cNvCxnSpPr>
+            <a:stCxn id="40" idx="0"/>
+            <a:endCxn id="42" idx="0"/>
+          </p:cNvCxnSpPr>
+          <p:nvPr/>
+        </p:nvCxnSpPr>
+        <p:spPr>
+          <a:xfrm rot="5400000" flipH="1" flipV="1">
+            <a:off x="6948876" y="945908"/>
+            <a:ext cx="4455" cy="3036312"/>
+          </a:xfrm>
+          <a:prstGeom prst="curvedConnector3">
+            <a:avLst>
+              <a:gd name="adj1" fmla="val 5231313"/>
+            </a:avLst>
+          </a:prstGeom>
+          <a:ln w="15875">
+            <a:solidFill>
+              <a:schemeClr val="tx1">
+                <a:lumMod val="50000"/>
+                <a:lumOff val="50000"/>
+              </a:schemeClr>
+            </a:solidFill>
+            <a:prstDash val="dash"/>
+            <a:tailEnd type="none" w="lg" len="lg"/>
+          </a:ln>
+        </p:spPr>
+        <p:style>
+          <a:lnRef idx="1">
+            <a:schemeClr val="accent1"/>
+          </a:lnRef>
+          <a:fillRef idx="0">
+            <a:schemeClr val="accent1"/>
+          </a:fillRef>
+          <a:effectRef idx="0">
+            <a:schemeClr val="accent1"/>
+          </a:effectRef>
+          <a:fontRef idx="minor">
+            <a:schemeClr val="tx1"/>
+          </a:fontRef>
+        </p:style>
+      </p:cxnSp>
+      <p:cxnSp>
+        <p:nvCxnSpPr>
+          <p:cNvPr id="50" name="Görbe összekötő 77"/>
+          <p:cNvCxnSpPr>
+            <a:stCxn id="46" idx="3"/>
+            <a:endCxn id="32" idx="1"/>
+          </p:cNvCxnSpPr>
+          <p:nvPr/>
+        </p:nvCxnSpPr>
+        <p:spPr>
+          <a:xfrm flipV="1">
+            <a:off x="4865056" y="770304"/>
+            <a:ext cx="3452914" cy="3182047"/>
+          </a:xfrm>
+          <a:prstGeom prst="curvedConnector3">
+            <a:avLst>
+              <a:gd name="adj1" fmla="val 36317"/>
+            </a:avLst>
+          </a:prstGeom>
+          <a:ln w="15875">
+            <a:solidFill>
+              <a:srgbClr val="762536"/>
+            </a:solidFill>
+            <a:prstDash val="dash"/>
+            <a:tailEnd type="triangle" w="lg" len="lg"/>
+          </a:ln>
+        </p:spPr>
+        <p:style>
+          <a:lnRef idx="1">
+            <a:schemeClr val="accent1"/>
+          </a:lnRef>
+          <a:fillRef idx="0">
+            <a:schemeClr val="accent1"/>
+          </a:fillRef>
+          <a:effectRef idx="0">
+            <a:schemeClr val="accent1"/>
+          </a:effectRef>
+          <a:fontRef idx="minor">
+            <a:schemeClr val="tx1"/>
+          </a:fontRef>
+        </p:style>
+      </p:cxnSp>
+      <p:cxnSp>
+        <p:nvCxnSpPr>
+          <p:cNvPr id="51" name="Görbe összekötő 82"/>
+          <p:cNvCxnSpPr>
+            <a:stCxn id="53" idx="3"/>
+            <a:endCxn id="41" idx="1"/>
+          </p:cNvCxnSpPr>
+          <p:nvPr/>
+        </p:nvCxnSpPr>
+        <p:spPr>
+          <a:xfrm flipV="1">
+            <a:off x="5696851" y="4633298"/>
+            <a:ext cx="2617897" cy="980343"/>
+          </a:xfrm>
+          <a:prstGeom prst="curvedConnector3">
+            <a:avLst>
+              <a:gd name="adj1" fmla="val 50000"/>
+            </a:avLst>
+          </a:prstGeom>
+          <a:ln w="15875">
+            <a:solidFill>
+              <a:schemeClr val="accent6">
+                <a:lumMod val="50000"/>
+              </a:schemeClr>
+            </a:solidFill>
+            <a:tailEnd type="triangle" w="lg" len="lg"/>
+          </a:ln>
+        </p:spPr>
+        <p:style>
+          <a:lnRef idx="1">
+            <a:schemeClr val="accent1"/>
+          </a:lnRef>
+          <a:fillRef idx="0">
+            <a:schemeClr val="accent1"/>
+          </a:fillRef>
+          <a:effectRef idx="0">
+            <a:schemeClr val="accent1"/>
+          </a:effectRef>
+          <a:fontRef idx="minor">
+            <a:schemeClr val="tx1"/>
+          </a:fontRef>
+        </p:style>
+      </p:cxnSp>
+      <p:cxnSp>
+        <p:nvCxnSpPr>
+          <p:cNvPr id="52" name="Görbe összekötő 87"/>
+          <p:cNvCxnSpPr>
+            <a:stCxn id="53" idx="1"/>
+            <a:endCxn id="35" idx="1"/>
+          </p:cNvCxnSpPr>
+          <p:nvPr/>
+        </p:nvCxnSpPr>
+        <p:spPr>
+          <a:xfrm rot="10800000">
+            <a:off x="4871864" y="1850137"/>
+            <a:ext cx="312586" cy="3763504"/>
+          </a:xfrm>
+          <a:prstGeom prst="curvedConnector3">
+            <a:avLst>
+              <a:gd name="adj1" fmla="val 640232"/>
+            </a:avLst>
+          </a:prstGeom>
+          <a:ln w="15875">
+            <a:solidFill>
+              <a:schemeClr val="tx1">
+                <a:lumMod val="50000"/>
+                <a:lumOff val="50000"/>
+              </a:schemeClr>
+            </a:solidFill>
+            <a:tailEnd type="triangle" w="lg" len="lg"/>
+          </a:ln>
+        </p:spPr>
+        <p:style>
+          <a:lnRef idx="1">
+            <a:schemeClr val="accent1"/>
+          </a:lnRef>
+          <a:fillRef idx="0">
+            <a:schemeClr val="accent1"/>
+          </a:fillRef>
+          <a:effectRef idx="0">
+            <a:schemeClr val="accent1"/>
+          </a:effectRef>
+          <a:fontRef idx="minor">
+            <a:schemeClr val="tx1"/>
+          </a:fontRef>
+        </p:style>
+      </p:cxnSp>
+      <p:sp>
+        <p:nvSpPr>
+          <p:cNvPr id="53" name="Rombusz 52"/>
+          <p:cNvSpPr/>
+          <p:nvPr/>
+        </p:nvSpPr>
+        <p:spPr>
+          <a:xfrm>
+            <a:off x="5184450" y="5369521"/>
+            <a:ext cx="512401" cy="488240"/>
+          </a:xfrm>
+          <a:prstGeom prst="diamond">
+            <a:avLst/>
+          </a:prstGeom>
+          <a:solidFill>
+            <a:srgbClr val="F2F2F2"/>
+          </a:solidFill>
+          <a:ln w="19050">
+            <a:solidFill>
+              <a:srgbClr val="762536"/>
+            </a:solidFill>
+          </a:ln>
+        </p:spPr>
+        <p:style>
+          <a:lnRef idx="2">
+            <a:schemeClr val="accent1">
+              <a:shade val="50000"/>
+            </a:schemeClr>
+          </a:lnRef>
+          <a:fillRef idx="1">
+            <a:schemeClr val="accent1"/>
+          </a:fillRef>
+          <a:effectRef idx="0">
+            <a:schemeClr val="accent1"/>
+          </a:effectRef>
+          <a:fontRef idx="minor">
+            <a:schemeClr val="lt1"/>
+          </a:fontRef>
+        </p:style>
+        <p:txBody>
+          <a:bodyPr wrap="square" rIns="90000" rtlCol="0" anchor="ctr" anchorCtr="0">
+            <a:spAutoFit/>
+          </a:bodyPr>
+          <a:lstStyle/>
+          <a:p>
+            <a:pPr marL="0" lvl="1" algn="ctr"/>
+            <a:endParaRPr lang="en-US" sz="2000" dirty="0">
+              <a:solidFill>
+                <a:schemeClr val="tx1"/>
+              </a:solidFill>
+              <a:latin typeface="Clear Sans Light" panose="020B0303030202020304" pitchFamily="34" charset="0"/>
+              <a:cs typeface="Clear Sans Light" panose="020B0303030202020304" pitchFamily="34" charset="0"/>
+            </a:endParaRPr>
+          </a:p>
+        </p:txBody>
+      </p:sp>
+      <p:cxnSp>
+        <p:nvCxnSpPr>
+          <p:cNvPr id="54" name="Görbe összekötő 26"/>
+          <p:cNvCxnSpPr>
+            <a:stCxn id="38" idx="2"/>
+            <a:endCxn id="53" idx="0"/>
+          </p:cNvCxnSpPr>
+          <p:nvPr/>
+        </p:nvCxnSpPr>
+        <p:spPr>
+          <a:xfrm rot="5400000">
+            <a:off x="5285544" y="5214413"/>
+            <a:ext cx="310216" cy="1"/>
+          </a:xfrm>
+          <a:prstGeom prst="curvedConnector3">
+            <a:avLst>
+              <a:gd name="adj1" fmla="val 50000"/>
+            </a:avLst>
+          </a:prstGeom>
+          <a:ln w="15875">
+            <a:solidFill>
+              <a:schemeClr val="tx1">
+                <a:lumMod val="50000"/>
+                <a:lumOff val="50000"/>
+              </a:schemeClr>
+            </a:solidFill>
+            <a:tailEnd type="triangle" w="lg" len="lg"/>
+          </a:ln>
+        </p:spPr>
+        <p:style>
+          <a:lnRef idx="1">
+            <a:schemeClr val="accent1"/>
+          </a:lnRef>
+          <a:fillRef idx="0">
+            <a:schemeClr val="accent1"/>
+          </a:fillRef>
+          <a:effectRef idx="0">
+            <a:schemeClr val="accent1"/>
+          </a:effectRef>
+          <a:fontRef idx="minor">
+            <a:schemeClr val="tx1"/>
+          </a:fontRef>
+        </p:style>
+      </p:cxnSp>
+      <p:sp>
+        <p:nvSpPr>
+          <p:cNvPr id="55" name="Ellipszis 54"/>
+          <p:cNvSpPr/>
+          <p:nvPr/>
+        </p:nvSpPr>
+        <p:spPr>
+          <a:xfrm>
+            <a:off x="4042222" y="947002"/>
+            <a:ext cx="423530" cy="412853"/>
+          </a:xfrm>
+          <a:prstGeom prst="ellipse">
+            <a:avLst/>
+          </a:prstGeom>
+          <a:solidFill>
+            <a:srgbClr val="008080"/>
+          </a:solidFill>
+          <a:ln>
+            <a:noFill/>
+          </a:ln>
+        </p:spPr>
+        <p:style>
+          <a:lnRef idx="2">
+            <a:schemeClr val="accent1">
+              <a:shade val="50000"/>
+            </a:schemeClr>
+          </a:lnRef>
+          <a:fillRef idx="1">
+            <a:schemeClr val="accent1"/>
+          </a:fillRef>
+          <a:effectRef idx="0">
+            <a:schemeClr val="accent1"/>
+          </a:effectRef>
+          <a:fontRef idx="minor">
+            <a:schemeClr val="lt1"/>
+          </a:fontRef>
+        </p:style>
+        <p:txBody>
+          <a:bodyPr rtlCol="0" anchor="ctr"/>
+          <a:lstStyle/>
+          <a:p>
+            <a:pPr algn="ctr"/>
+            <a:endParaRPr lang="hu-HU" sz="2000" dirty="0">
+              <a:latin typeface="Clear Sans Light" panose="020B0303030202020304" pitchFamily="34" charset="0"/>
+              <a:cs typeface="Clear Sans Light" panose="020B0303030202020304" pitchFamily="34" charset="0"/>
+            </a:endParaRPr>
+          </a:p>
+        </p:txBody>
+      </p:sp>
+      <p:cxnSp>
+        <p:nvCxnSpPr>
+          <p:cNvPr id="56" name="Görbe összekötő 34"/>
+          <p:cNvCxnSpPr>
+            <a:stCxn id="55" idx="6"/>
+            <a:endCxn id="33" idx="1"/>
+          </p:cNvCxnSpPr>
+          <p:nvPr/>
+        </p:nvCxnSpPr>
+        <p:spPr>
+          <a:xfrm flipV="1">
+            <a:off x="4465752" y="1153428"/>
+            <a:ext cx="403244" cy="1"/>
+          </a:xfrm>
+          <a:prstGeom prst="curvedConnector3">
+            <a:avLst/>
+          </a:prstGeom>
+          <a:ln w="22225">
+            <a:solidFill>
+              <a:srgbClr val="008080"/>
+            </a:solidFill>
+            <a:tailEnd type="triangle" w="lg" len="lg"/>
+          </a:ln>
+        </p:spPr>
+        <p:style>
+          <a:lnRef idx="1">
+            <a:schemeClr val="accent1"/>
+          </a:lnRef>
+          <a:fillRef idx="0">
+            <a:schemeClr val="accent1"/>
+          </a:fillRef>
+          <a:effectRef idx="0">
+            <a:schemeClr val="accent1"/>
+          </a:effectRef>
+          <a:fontRef idx="minor">
+            <a:schemeClr val="tx1"/>
+          </a:fontRef>
+        </p:style>
+      </p:cxnSp>
+      <p:sp>
+        <p:nvSpPr>
+          <p:cNvPr id="57" name="Villám 56"/>
+          <p:cNvSpPr/>
+          <p:nvPr/>
+        </p:nvSpPr>
+        <p:spPr>
+          <a:xfrm>
+            <a:off x="8011433" y="856990"/>
+            <a:ext cx="361256" cy="532881"/>
+          </a:xfrm>
+          <a:prstGeom prst="lightningBolt">
+            <a:avLst/>
+          </a:prstGeom>
+          <a:solidFill>
+            <a:srgbClr val="008080"/>
+          </a:solidFill>
+          <a:ln>
+            <a:noFill/>
+          </a:ln>
+        </p:spPr>
+        <p:style>
+          <a:lnRef idx="2">
+            <a:schemeClr val="accent1">
+              <a:shade val="50000"/>
+            </a:schemeClr>
+          </a:lnRef>
+          <a:fillRef idx="1">
+            <a:schemeClr val="accent1"/>
+          </a:fillRef>
+          <a:effectRef idx="0">
+            <a:schemeClr val="accent1"/>
+          </a:effectRef>
+          <a:fontRef idx="minor">
+            <a:schemeClr val="lt1"/>
+          </a:fontRef>
+        </p:style>
+        <p:txBody>
+          <a:bodyPr rtlCol="0" anchor="ctr"/>
+          <a:lstStyle/>
+          <a:p>
+            <a:pPr algn="ctr"/>
+            <a:endParaRPr lang="hu-HU" sz="2000" dirty="0">
+              <a:latin typeface="Clear Sans Light" panose="020B0303030202020304" pitchFamily="34" charset="0"/>
+              <a:cs typeface="Clear Sans Light" panose="020B0303030202020304" pitchFamily="34" charset="0"/>
+            </a:endParaRPr>
+          </a:p>
+        </p:txBody>
+      </p:sp>
+    </p:spTree>
+    <p:extLst>
+      <p:ext uri="{BB962C8B-B14F-4D97-AF65-F5344CB8AC3E}">
+        <p14:creationId xmlns:p14="http://schemas.microsoft.com/office/powerpoint/2010/main" val="67412580"/>
+      </p:ext>
+    </p:extLst>
+  </p:cSld>
+  <p:clrMapOvr>
+    <a:masterClrMapping/>
+  </p:clrMapOvr>
+  <p:timing>
+    <p:tnLst>
+      <p:par>
+        <p:cTn id="1" dur="indefinite" restart="never" nodeType="tmRoot">
+          <p:childTnLst>
+            <p:seq concurrent="1" nextAc="seek">
+              <p:cTn id="2" dur="indefinite" nodeType="mainSeq">
+                <p:childTnLst>
+                  <p:par>
+                    <p:cTn id="3" fill="hold">
+                      <p:stCondLst>
+                        <p:cond delay="indefinite"/>
+                      </p:stCondLst>
+                      <p:childTnLst>
+                        <p:par>
+                          <p:cTn id="4" fill="hold">
+                            <p:stCondLst>
+                              <p:cond delay="0"/>
+                            </p:stCondLst>
+                            <p:childTnLst>
+                              <p:par>
+                                <p:cTn id="5" presetID="1" presetClass="entr" presetSubtype="0" fill="hold" grpId="0" nodeType="clickEffect">
+                                  <p:stCondLst>
+                                    <p:cond delay="0"/>
+                                  </p:stCondLst>
+                                  <p:childTnLst>
+                                    <p:set>
+                                      <p:cBhvr>
+                                        <p:cTn id="6" dur="1" fill="hold">
+                                          <p:stCondLst>
+                                            <p:cond delay="0"/>
+                                          </p:stCondLst>
+                                        </p:cTn>
+                                        <p:tgtEl>
+                                          <p:spTgt spid="57"/>
+                                        </p:tgtEl>
+                                        <p:attrNameLst>
+                                          <p:attrName>style.visibility</p:attrName>
+                                        </p:attrNameLst>
+                                      </p:cBhvr>
+                                      <p:to>
+                                        <p:strVal val="visible"/>
+                                      </p:to>
+                                    </p:set>
+                                  </p:childTnLst>
+                                </p:cTn>
+                              </p:par>
+                            </p:childTnLst>
+                          </p:cTn>
+                        </p:par>
+                      </p:childTnLst>
+                    </p:cTn>
+                  </p:par>
+                  <p:par>
+                    <p:cTn id="7" fill="hold">
+                      <p:stCondLst>
+                        <p:cond delay="indefinite"/>
+                      </p:stCondLst>
+                      <p:childTnLst>
+                        <p:par>
+                          <p:cTn id="8" fill="hold">
+                            <p:stCondLst>
+                              <p:cond delay="0"/>
+                            </p:stCondLst>
+                            <p:childTnLst>
+                              <p:par>
+                                <p:cTn id="9" presetID="15" presetClass="emph" presetSubtype="0" grpId="0" nodeType="clickEffect">
+                                  <p:stCondLst>
+                                    <p:cond delay="0"/>
+                                  </p:stCondLst>
+                                  <p:iterate type="lt">
+                                    <p:tmAbs val="25"/>
+                                  </p:iterate>
+                                  <p:childTnLst>
+                                    <p:set>
+                                      <p:cBhvr override="childStyle">
+                                        <p:cTn id="10" dur="indefinite"/>
+                                        <p:tgtEl>
+                                          <p:spTgt spid="37"/>
+                                        </p:tgtEl>
+                                        <p:attrNameLst>
+                                          <p:attrName>style.fontWeight</p:attrName>
+                                        </p:attrNameLst>
+                                      </p:cBhvr>
+                                      <p:to>
+                                        <p:strVal val="bold"/>
+                                      </p:to>
+                                    </p:set>
+                                  </p:childTnLst>
+                                </p:cTn>
+                              </p:par>
+                            </p:childTnLst>
+                          </p:cTn>
+                        </p:par>
+                      </p:childTnLst>
+                    </p:cTn>
+                  </p:par>
+                  <p:par>
+                    <p:cTn id="11" fill="hold">
+                      <p:stCondLst>
+                        <p:cond delay="indefinite"/>
+                      </p:stCondLst>
+                      <p:childTnLst>
+                        <p:par>
+                          <p:cTn id="12" fill="hold">
+                            <p:stCondLst>
+                              <p:cond delay="0"/>
+                            </p:stCondLst>
+                            <p:childTnLst>
+                              <p:par>
+                                <p:cTn id="13" presetID="1" presetClass="entr" presetSubtype="0" fill="hold" nodeType="clickEffect">
+                                  <p:stCondLst>
+                                    <p:cond delay="0"/>
+                                  </p:stCondLst>
+                                  <p:childTnLst>
+                                    <p:set>
+                                      <p:cBhvr>
+                                        <p:cTn id="14" dur="1" fill="hold">
+                                          <p:stCondLst>
+                                            <p:cond delay="0"/>
+                                          </p:stCondLst>
+                                        </p:cTn>
+                                        <p:tgtEl>
+                                          <p:spTgt spid="56"/>
+                                        </p:tgtEl>
+                                        <p:attrNameLst>
+                                          <p:attrName>style.visibility</p:attrName>
+                                        </p:attrNameLst>
+                                      </p:cBhvr>
+                                      <p:to>
+                                        <p:strVal val="visible"/>
+                                      </p:to>
+                                    </p:set>
+                                  </p:childTnLst>
+                                </p:cTn>
+                              </p:par>
+                              <p:par>
+                                <p:cTn id="15" presetID="1" presetClass="entr" presetSubtype="0" fill="hold" grpId="0" nodeType="withEffect">
+                                  <p:stCondLst>
+                                    <p:cond delay="0"/>
+                                  </p:stCondLst>
+                                  <p:childTnLst>
+                                    <p:set>
+                                      <p:cBhvr>
+                                        <p:cTn id="16" dur="1" fill="hold">
+                                          <p:stCondLst>
+                                            <p:cond delay="0"/>
+                                          </p:stCondLst>
+                                        </p:cTn>
+                                        <p:tgtEl>
+                                          <p:spTgt spid="55"/>
+                                        </p:tgtEl>
+                                        <p:attrNameLst>
+                                          <p:attrName>style.visibility</p:attrName>
+                                        </p:attrNameLst>
+                                      </p:cBhvr>
+                                      <p:to>
+                                        <p:strVal val="visible"/>
+                                      </p:to>
+                                    </p:set>
+                                  </p:childTnLst>
+                                </p:cTn>
+                              </p:par>
+                            </p:childTnLst>
+                          </p:cTn>
+                        </p:par>
+                      </p:childTnLst>
+                    </p:cTn>
+                  </p:par>
+                  <p:par>
+                    <p:cTn id="17" fill="hold">
+                      <p:stCondLst>
+                        <p:cond delay="indefinite"/>
+                      </p:stCondLst>
+                      <p:childTnLst>
+                        <p:par>
+                          <p:cTn id="18" fill="hold">
+                            <p:stCondLst>
+                              <p:cond delay="0"/>
+                            </p:stCondLst>
+                            <p:childTnLst>
+                              <p:par>
+                                <p:cTn id="19" presetID="19" presetClass="emph" presetSubtype="0" fill="hold" grpId="0" nodeType="clickEffect">
+                                  <p:stCondLst>
+                                    <p:cond delay="0"/>
+                                  </p:stCondLst>
+                                  <p:childTnLst>
+                                    <p:animClr clrSpc="rgb" dir="cw">
+                                      <p:cBhvr override="childStyle">
+                                        <p:cTn id="20" dur="500" fill="hold"/>
+                                        <p:tgtEl>
+                                          <p:spTgt spid="33"/>
+                                        </p:tgtEl>
+                                        <p:attrNameLst>
+                                          <p:attrName>style.color</p:attrName>
+                                        </p:attrNameLst>
+                                      </p:cBhvr>
+                                      <p:to>
+                                        <a:srgbClr val="B3DBCE"/>
+                                      </p:to>
+                                    </p:animClr>
+                                    <p:animClr clrSpc="rgb" dir="cw">
+                                      <p:cBhvr>
+                                        <p:cTn id="21" dur="500" fill="hold"/>
+                                        <p:tgtEl>
+                                          <p:spTgt spid="33"/>
+                                        </p:tgtEl>
+                                        <p:attrNameLst>
+                                          <p:attrName>fillcolor</p:attrName>
+                                        </p:attrNameLst>
+                                      </p:cBhvr>
+                                      <p:to>
+                                        <a:srgbClr val="B3DBCE"/>
+                                      </p:to>
+                                    </p:animClr>
+                                    <p:set>
+                                      <p:cBhvr>
+                                        <p:cTn id="22" dur="500" fill="hold"/>
+                                        <p:tgtEl>
+                                          <p:spTgt spid="33"/>
+                                        </p:tgtEl>
+                                        <p:attrNameLst>
+                                          <p:attrName>fill.type</p:attrName>
+                                        </p:attrNameLst>
+                                      </p:cBhvr>
+                                      <p:to>
+                                        <p:strVal val="solid"/>
+                                      </p:to>
+                                    </p:set>
+                                    <p:set>
+                                      <p:cBhvr>
+                                        <p:cTn id="23" dur="500" fill="hold"/>
+                                        <p:tgtEl>
+                                          <p:spTgt spid="33"/>
+                                        </p:tgtEl>
+                                        <p:attrNameLst>
+                                          <p:attrName>fill.on</p:attrName>
+                                        </p:attrNameLst>
+                                      </p:cBhvr>
+                                      <p:to>
+                                        <p:strVal val="true"/>
+                                      </p:to>
+                                    </p:set>
+                                  </p:childTnLst>
+                                </p:cTn>
+                              </p:par>
+                            </p:childTnLst>
+                          </p:cTn>
+                        </p:par>
+                      </p:childTnLst>
+                    </p:cTn>
+                  </p:par>
+                  <p:par>
+                    <p:cTn id="24" fill="hold">
+                      <p:stCondLst>
+                        <p:cond delay="indefinite"/>
+                      </p:stCondLst>
+                      <p:childTnLst>
+                        <p:par>
+                          <p:cTn id="25" fill="hold">
+                            <p:stCondLst>
+                              <p:cond delay="0"/>
+                            </p:stCondLst>
+                            <p:childTnLst>
+                              <p:par>
+                                <p:cTn id="26" presetID="7" presetClass="emph" presetSubtype="2" fill="hold" nodeType="clickEffect">
+                                  <p:stCondLst>
+                                    <p:cond delay="0"/>
+                                  </p:stCondLst>
+                                  <p:childTnLst>
+                                    <p:animClr clrSpc="rgb" dir="cw">
+                                      <p:cBhvr>
+                                        <p:cTn id="27" dur="500" fill="hold"/>
+                                        <p:tgtEl>
+                                          <p:spTgt spid="34"/>
+                                        </p:tgtEl>
+                                        <p:attrNameLst>
+                                          <p:attrName>stroke.color</p:attrName>
+                                        </p:attrNameLst>
+                                      </p:cBhvr>
+                                      <p:to>
+                                        <a:schemeClr val="accent2"/>
+                                      </p:to>
+                                    </p:animClr>
+                                    <p:set>
+                                      <p:cBhvr>
+                                        <p:cTn id="28" dur="500" fill="hold"/>
+                                        <p:tgtEl>
+                                          <p:spTgt spid="34"/>
+                                        </p:tgtEl>
+                                        <p:attrNameLst>
+                                          <p:attrName>stroke.on</p:attrName>
+                                        </p:attrNameLst>
+                                      </p:cBhvr>
+                                      <p:to>
+                                        <p:strVal val="true"/>
+                                      </p:to>
+                                    </p:set>
+                                  </p:childTnLst>
+                                </p:cTn>
+                              </p:par>
+                              <p:par>
+                                <p:cTn id="29" presetID="1" presetClass="emph" presetSubtype="2" fill="hold" nodeType="withEffect">
+                                  <p:stCondLst>
+                                    <p:cond delay="0"/>
+                                  </p:stCondLst>
+                                  <p:childTnLst>
+                                    <p:animClr clrSpc="rgb" dir="cw">
+                                      <p:cBhvr>
+                                        <p:cTn id="30" dur="500" fill="hold"/>
+                                        <p:tgtEl>
+                                          <p:spTgt spid="35"/>
+                                        </p:tgtEl>
+                                        <p:attrNameLst>
+                                          <p:attrName>fillcolor</p:attrName>
+                                        </p:attrNameLst>
+                                      </p:cBhvr>
+                                      <p:to>
+                                        <a:srgbClr val="B3DBCE"/>
+                                      </p:to>
+                                    </p:animClr>
+                                    <p:set>
+                                      <p:cBhvr>
+                                        <p:cTn id="31" dur="500" fill="hold"/>
+                                        <p:tgtEl>
+                                          <p:spTgt spid="35"/>
+                                        </p:tgtEl>
+                                        <p:attrNameLst>
+                                          <p:attrName>fill.type</p:attrName>
+                                        </p:attrNameLst>
+                                      </p:cBhvr>
+                                      <p:to>
+                                        <p:strVal val="solid"/>
+                                      </p:to>
+                                    </p:set>
+                                    <p:set>
+                                      <p:cBhvr>
+                                        <p:cTn id="32" dur="500" fill="hold"/>
+                                        <p:tgtEl>
+                                          <p:spTgt spid="35"/>
+                                        </p:tgtEl>
+                                        <p:attrNameLst>
+                                          <p:attrName>fill.on</p:attrName>
+                                        </p:attrNameLst>
+                                      </p:cBhvr>
+                                      <p:to>
+                                        <p:strVal val="true"/>
+                                      </p:to>
+                                    </p:set>
+                                  </p:childTnLst>
+                                </p:cTn>
+                              </p:par>
+                            </p:childTnLst>
+                          </p:cTn>
+                        </p:par>
+                      </p:childTnLst>
+                    </p:cTn>
+                  </p:par>
+                  <p:par>
+                    <p:cTn id="33" fill="hold">
+                      <p:stCondLst>
+                        <p:cond delay="indefinite"/>
+                      </p:stCondLst>
+                      <p:childTnLst>
+                        <p:par>
+                          <p:cTn id="34" fill="hold">
+                            <p:stCondLst>
+                              <p:cond delay="0"/>
+                            </p:stCondLst>
+                            <p:childTnLst>
+                              <p:par>
+                                <p:cTn id="35" presetID="1" presetClass="emph" presetSubtype="2" fill="hold" nodeType="clickEffect">
+                                  <p:stCondLst>
+                                    <p:cond delay="0"/>
+                                  </p:stCondLst>
+                                  <p:childTnLst>
+                                    <p:animClr clrSpc="rgb" dir="cw">
+                                      <p:cBhvr>
+                                        <p:cTn id="36" dur="500" fill="hold"/>
+                                        <p:tgtEl>
+                                          <p:spTgt spid="37"/>
+                                        </p:tgtEl>
+                                        <p:attrNameLst>
+                                          <p:attrName>fillcolor</p:attrName>
+                                        </p:attrNameLst>
+                                      </p:cBhvr>
+                                      <p:to>
+                                        <a:srgbClr val="B3DBCE"/>
+                                      </p:to>
+                                    </p:animClr>
+                                    <p:set>
+                                      <p:cBhvr>
+                                        <p:cTn id="37" dur="500" fill="hold"/>
+                                        <p:tgtEl>
+                                          <p:spTgt spid="37"/>
+                                        </p:tgtEl>
+                                        <p:attrNameLst>
+                                          <p:attrName>fill.type</p:attrName>
+                                        </p:attrNameLst>
+                                      </p:cBhvr>
+                                      <p:to>
+                                        <p:strVal val="solid"/>
+                                      </p:to>
+                                    </p:set>
+                                    <p:set>
+                                      <p:cBhvr>
+                                        <p:cTn id="38" dur="500" fill="hold"/>
+                                        <p:tgtEl>
+                                          <p:spTgt spid="37"/>
+                                        </p:tgtEl>
+                                        <p:attrNameLst>
+                                          <p:attrName>fill.on</p:attrName>
+                                        </p:attrNameLst>
+                                      </p:cBhvr>
+                                      <p:to>
+                                        <p:strVal val="true"/>
+                                      </p:to>
+                                    </p:set>
+                                  </p:childTnLst>
+                                </p:cTn>
+                              </p:par>
+                              <p:par>
+                                <p:cTn id="39" presetID="7" presetClass="emph" presetSubtype="2" fill="hold" nodeType="withEffect">
+                                  <p:stCondLst>
+                                    <p:cond delay="0"/>
+                                  </p:stCondLst>
+                                  <p:childTnLst>
+                                    <p:animClr clrSpc="rgb" dir="cw">
+                                      <p:cBhvr>
+                                        <p:cTn id="40" dur="500" fill="hold"/>
+                                        <p:tgtEl>
+                                          <p:spTgt spid="48"/>
+                                        </p:tgtEl>
+                                        <p:attrNameLst>
+                                          <p:attrName>stroke.color</p:attrName>
+                                        </p:attrNameLst>
+                                      </p:cBhvr>
+                                      <p:to>
+                                        <a:schemeClr val="accent2"/>
+                                      </p:to>
+                                    </p:animClr>
+                                    <p:set>
+                                      <p:cBhvr>
+                                        <p:cTn id="41" dur="500" fill="hold"/>
+                                        <p:tgtEl>
+                                          <p:spTgt spid="48"/>
+                                        </p:tgtEl>
+                                        <p:attrNameLst>
+                                          <p:attrName>stroke.on</p:attrName>
+                                        </p:attrNameLst>
+                                      </p:cBhvr>
+                                      <p:to>
+                                        <p:strVal val="true"/>
+                                      </p:to>
+                                    </p:set>
+                                  </p:childTnLst>
+                                </p:cTn>
+                              </p:par>
+                              <p:par>
+                                <p:cTn id="42" presetID="7" presetClass="emph" presetSubtype="2" fill="hold" nodeType="withEffect">
+                                  <p:stCondLst>
+                                    <p:cond delay="0"/>
+                                  </p:stCondLst>
+                                  <p:childTnLst>
+                                    <p:animClr clrSpc="rgb" dir="cw">
+                                      <p:cBhvr>
+                                        <p:cTn id="43" dur="500" fill="hold"/>
+                                        <p:tgtEl>
+                                          <p:spTgt spid="45"/>
+                                        </p:tgtEl>
+                                        <p:attrNameLst>
+                                          <p:attrName>stroke.color</p:attrName>
+                                        </p:attrNameLst>
+                                      </p:cBhvr>
+                                      <p:to>
+                                        <a:schemeClr val="accent2"/>
+                                      </p:to>
+                                    </p:animClr>
+                                    <p:set>
+                                      <p:cBhvr>
+                                        <p:cTn id="44" dur="500" fill="hold"/>
+                                        <p:tgtEl>
+                                          <p:spTgt spid="45"/>
+                                        </p:tgtEl>
+                                        <p:attrNameLst>
+                                          <p:attrName>stroke.on</p:attrName>
+                                        </p:attrNameLst>
+                                      </p:cBhvr>
+                                      <p:to>
+                                        <p:strVal val="true"/>
+                                      </p:to>
+                                    </p:set>
+                                  </p:childTnLst>
+                                </p:cTn>
+                              </p:par>
+                            </p:childTnLst>
+                          </p:cTn>
+                        </p:par>
+                      </p:childTnLst>
+                    </p:cTn>
+                  </p:par>
+                  <p:par>
+                    <p:cTn id="45" fill="hold">
+                      <p:stCondLst>
+                        <p:cond delay="indefinite"/>
+                      </p:stCondLst>
+                      <p:childTnLst>
+                        <p:par>
+                          <p:cTn id="46" fill="hold">
+                            <p:stCondLst>
+                              <p:cond delay="0"/>
+                            </p:stCondLst>
+                            <p:childTnLst>
+                              <p:par>
+                                <p:cTn id="47" presetID="7" presetClass="emph" presetSubtype="2" fill="hold" nodeType="clickEffect">
+                                  <p:stCondLst>
+                                    <p:cond delay="0"/>
+                                  </p:stCondLst>
+                                  <p:childTnLst>
+                                    <p:animClr clrSpc="rgb" dir="cw">
+                                      <p:cBhvr>
+                                        <p:cTn id="48" dur="500" fill="hold"/>
+                                        <p:tgtEl>
+                                          <p:spTgt spid="47"/>
+                                        </p:tgtEl>
+                                        <p:attrNameLst>
+                                          <p:attrName>stroke.color</p:attrName>
+                                        </p:attrNameLst>
+                                      </p:cBhvr>
+                                      <p:to>
+                                        <a:schemeClr val="accent2"/>
+                                      </p:to>
+                                    </p:animClr>
+                                    <p:set>
+                                      <p:cBhvr>
+                                        <p:cTn id="49" dur="500" fill="hold"/>
+                                        <p:tgtEl>
+                                          <p:spTgt spid="47"/>
+                                        </p:tgtEl>
+                                        <p:attrNameLst>
+                                          <p:attrName>stroke.on</p:attrName>
+                                        </p:attrNameLst>
+                                      </p:cBhvr>
+                                      <p:to>
+                                        <p:strVal val="true"/>
+                                      </p:to>
+                                    </p:set>
+                                  </p:childTnLst>
+                                </p:cTn>
+                              </p:par>
+                              <p:par>
+                                <p:cTn id="50" presetID="1" presetClass="emph" presetSubtype="2" fill="hold" nodeType="withEffect">
+                                  <p:stCondLst>
+                                    <p:cond delay="0"/>
+                                  </p:stCondLst>
+                                  <p:childTnLst>
+                                    <p:animClr clrSpc="rgb" dir="cw">
+                                      <p:cBhvr>
+                                        <p:cTn id="51" dur="500" fill="hold"/>
+                                        <p:tgtEl>
+                                          <p:spTgt spid="38"/>
+                                        </p:tgtEl>
+                                        <p:attrNameLst>
+                                          <p:attrName>fillcolor</p:attrName>
+                                        </p:attrNameLst>
+                                      </p:cBhvr>
+                                      <p:to>
+                                        <a:srgbClr val="B3DBCE"/>
+                                      </p:to>
+                                    </p:animClr>
+                                    <p:set>
+                                      <p:cBhvr>
+                                        <p:cTn id="52" dur="500" fill="hold"/>
+                                        <p:tgtEl>
+                                          <p:spTgt spid="38"/>
+                                        </p:tgtEl>
+                                        <p:attrNameLst>
+                                          <p:attrName>fill.type</p:attrName>
+                                        </p:attrNameLst>
+                                      </p:cBhvr>
+                                      <p:to>
+                                        <p:strVal val="solid"/>
+                                      </p:to>
+                                    </p:set>
+                                    <p:set>
+                                      <p:cBhvr>
+                                        <p:cTn id="53" dur="500" fill="hold"/>
+                                        <p:tgtEl>
+                                          <p:spTgt spid="38"/>
+                                        </p:tgtEl>
+                                        <p:attrNameLst>
+                                          <p:attrName>fill.on</p:attrName>
+                                        </p:attrNameLst>
+                                      </p:cBhvr>
+                                      <p:to>
+                                        <p:strVal val="true"/>
+                                      </p:to>
+                                    </p:set>
+                                  </p:childTnLst>
+                                </p:cTn>
+                              </p:par>
+                            </p:childTnLst>
+                          </p:cTn>
+                        </p:par>
+                      </p:childTnLst>
+                    </p:cTn>
+                  </p:par>
+                  <p:par>
+                    <p:cTn id="54" fill="hold">
+                      <p:stCondLst>
+                        <p:cond delay="indefinite"/>
+                      </p:stCondLst>
+                      <p:childTnLst>
+                        <p:par>
+                          <p:cTn id="55" fill="hold">
+                            <p:stCondLst>
+                              <p:cond delay="0"/>
+                            </p:stCondLst>
+                            <p:childTnLst>
+                              <p:par>
+                                <p:cTn id="56" presetID="1" presetClass="emph" presetSubtype="2" fill="hold" nodeType="clickEffect">
+                                  <p:stCondLst>
+                                    <p:cond delay="0"/>
+                                  </p:stCondLst>
+                                  <p:childTnLst>
+                                    <p:animClr clrSpc="rgb" dir="cw">
+                                      <p:cBhvr>
+                                        <p:cTn id="57" dur="500" fill="hold"/>
+                                        <p:tgtEl>
+                                          <p:spTgt spid="35"/>
+                                        </p:tgtEl>
+                                        <p:attrNameLst>
+                                          <p:attrName>fillcolor</p:attrName>
+                                        </p:attrNameLst>
+                                      </p:cBhvr>
+                                      <p:to>
+                                        <a:srgbClr val="B3DBCE"/>
+                                      </p:to>
+                                    </p:animClr>
+                                    <p:set>
+                                      <p:cBhvr>
+                                        <p:cTn id="58" dur="500" fill="hold"/>
+                                        <p:tgtEl>
+                                          <p:spTgt spid="35"/>
+                                        </p:tgtEl>
+                                        <p:attrNameLst>
+                                          <p:attrName>fill.type</p:attrName>
+                                        </p:attrNameLst>
+                                      </p:cBhvr>
+                                      <p:to>
+                                        <p:strVal val="solid"/>
+                                      </p:to>
+                                    </p:set>
+                                    <p:set>
+                                      <p:cBhvr>
+                                        <p:cTn id="59" dur="500" fill="hold"/>
+                                        <p:tgtEl>
+                                          <p:spTgt spid="35"/>
+                                        </p:tgtEl>
+                                        <p:attrNameLst>
+                                          <p:attrName>fill.on</p:attrName>
+                                        </p:attrNameLst>
+                                      </p:cBhvr>
+                                      <p:to>
+                                        <p:strVal val="true"/>
+                                      </p:to>
+                                    </p:set>
+                                  </p:childTnLst>
+                                </p:cTn>
+                              </p:par>
+                              <p:par>
+                                <p:cTn id="60" presetID="7" presetClass="emph" presetSubtype="2" fill="hold" nodeType="withEffect">
+                                  <p:stCondLst>
+                                    <p:cond delay="0"/>
+                                  </p:stCondLst>
+                                  <p:childTnLst>
+                                    <p:animClr clrSpc="rgb" dir="cw">
+                                      <p:cBhvr>
+                                        <p:cTn id="61" dur="500" fill="hold"/>
+                                        <p:tgtEl>
+                                          <p:spTgt spid="52"/>
+                                        </p:tgtEl>
+                                        <p:attrNameLst>
+                                          <p:attrName>stroke.color</p:attrName>
+                                        </p:attrNameLst>
+                                      </p:cBhvr>
+                                      <p:to>
+                                        <a:schemeClr val="accent2"/>
+                                      </p:to>
+                                    </p:animClr>
+                                    <p:set>
+                                      <p:cBhvr>
+                                        <p:cTn id="62" dur="500" fill="hold"/>
+                                        <p:tgtEl>
+                                          <p:spTgt spid="52"/>
+                                        </p:tgtEl>
+                                        <p:attrNameLst>
+                                          <p:attrName>stroke.on</p:attrName>
+                                        </p:attrNameLst>
+                                      </p:cBhvr>
+                                      <p:to>
+                                        <p:strVal val="true"/>
+                                      </p:to>
+                                    </p:set>
+                                  </p:childTnLst>
+                                </p:cTn>
+                              </p:par>
+                            </p:childTnLst>
+                          </p:cTn>
+                        </p:par>
+                      </p:childTnLst>
+                    </p:cTn>
+                  </p:par>
+                  <p:par>
+                    <p:cTn id="63" fill="hold">
+                      <p:stCondLst>
+                        <p:cond delay="indefinite"/>
+                      </p:stCondLst>
+                      <p:childTnLst>
+                        <p:par>
+                          <p:cTn id="64" fill="hold">
+                            <p:stCondLst>
+                              <p:cond delay="0"/>
+                            </p:stCondLst>
+                            <p:childTnLst>
+                              <p:par>
+                                <p:cTn id="65" presetID="7" presetClass="emph" presetSubtype="2" fill="hold" nodeType="clickEffect">
+                                  <p:stCondLst>
+                                    <p:cond delay="0"/>
+                                  </p:stCondLst>
+                                  <p:childTnLst>
+                                    <p:animClr clrSpc="rgb" dir="cw">
+                                      <p:cBhvr>
+                                        <p:cTn id="66" dur="500" fill="hold"/>
+                                        <p:tgtEl>
+                                          <p:spTgt spid="48"/>
+                                        </p:tgtEl>
+                                        <p:attrNameLst>
+                                          <p:attrName>stroke.color</p:attrName>
+                                        </p:attrNameLst>
+                                      </p:cBhvr>
+                                      <p:to>
+                                        <a:schemeClr val="accent2"/>
+                                      </p:to>
+                                    </p:animClr>
+                                    <p:set>
+                                      <p:cBhvr>
+                                        <p:cTn id="67" dur="500" fill="hold"/>
+                                        <p:tgtEl>
+                                          <p:spTgt spid="48"/>
+                                        </p:tgtEl>
+                                        <p:attrNameLst>
+                                          <p:attrName>stroke.on</p:attrName>
+                                        </p:attrNameLst>
+                                      </p:cBhvr>
+                                      <p:to>
+                                        <p:strVal val="true"/>
+                                      </p:to>
+                                    </p:set>
+                                  </p:childTnLst>
+                                </p:cTn>
+                              </p:par>
+                              <p:par>
+                                <p:cTn id="68" presetID="1" presetClass="emph" presetSubtype="2" fill="hold" nodeType="withEffect">
+                                  <p:stCondLst>
+                                    <p:cond delay="0"/>
+                                  </p:stCondLst>
+                                  <p:childTnLst>
+                                    <p:animClr clrSpc="rgb" dir="cw">
+                                      <p:cBhvr>
+                                        <p:cTn id="69" dur="500" fill="hold"/>
+                                        <p:tgtEl>
+                                          <p:spTgt spid="36"/>
+                                        </p:tgtEl>
+                                        <p:attrNameLst>
+                                          <p:attrName>fillcolor</p:attrName>
+                                        </p:attrNameLst>
+                                      </p:cBhvr>
+                                      <p:to>
+                                        <a:srgbClr val="B3DBCE"/>
+                                      </p:to>
+                                    </p:animClr>
+                                    <p:set>
+                                      <p:cBhvr>
+                                        <p:cTn id="70" dur="500" fill="hold"/>
+                                        <p:tgtEl>
+                                          <p:spTgt spid="36"/>
+                                        </p:tgtEl>
+                                        <p:attrNameLst>
+                                          <p:attrName>fill.type</p:attrName>
+                                        </p:attrNameLst>
+                                      </p:cBhvr>
+                                      <p:to>
+                                        <p:strVal val="solid"/>
+                                      </p:to>
+                                    </p:set>
+                                    <p:set>
+                                      <p:cBhvr>
+                                        <p:cTn id="71" dur="500" fill="hold"/>
+                                        <p:tgtEl>
+                                          <p:spTgt spid="36"/>
+                                        </p:tgtEl>
+                                        <p:attrNameLst>
+                                          <p:attrName>fill.on</p:attrName>
+                                        </p:attrNameLst>
+                                      </p:cBhvr>
+                                      <p:to>
+                                        <p:strVal val="true"/>
+                                      </p:to>
+                                    </p:set>
+                                  </p:childTnLst>
+                                </p:cTn>
+                              </p:par>
+                            </p:childTnLst>
+                          </p:cTn>
+                        </p:par>
+                      </p:childTnLst>
+                    </p:cTn>
+                  </p:par>
+                  <p:par>
+                    <p:cTn id="72" fill="hold">
+                      <p:stCondLst>
+                        <p:cond delay="indefinite"/>
+                      </p:stCondLst>
+                      <p:childTnLst>
+                        <p:par>
+                          <p:cTn id="73" fill="hold">
+                            <p:stCondLst>
+                              <p:cond delay="0"/>
+                            </p:stCondLst>
+                            <p:childTnLst>
+                              <p:par>
+                                <p:cTn id="74" presetID="7" presetClass="emph" presetSubtype="2" fill="hold" nodeType="clickEffect">
+                                  <p:stCondLst>
+                                    <p:cond delay="0"/>
+                                  </p:stCondLst>
+                                  <p:childTnLst>
+                                    <p:animClr clrSpc="rgb" dir="cw">
+                                      <p:cBhvr>
+                                        <p:cTn id="75" dur="500" fill="hold"/>
+                                        <p:tgtEl>
+                                          <p:spTgt spid="44"/>
+                                        </p:tgtEl>
+                                        <p:attrNameLst>
+                                          <p:attrName>stroke.color</p:attrName>
+                                        </p:attrNameLst>
+                                      </p:cBhvr>
+                                      <p:to>
+                                        <a:schemeClr val="accent2"/>
+                                      </p:to>
+                                    </p:animClr>
+                                    <p:set>
+                                      <p:cBhvr>
+                                        <p:cTn id="76" dur="500" fill="hold"/>
+                                        <p:tgtEl>
+                                          <p:spTgt spid="44"/>
+                                        </p:tgtEl>
+                                        <p:attrNameLst>
+                                          <p:attrName>stroke.on</p:attrName>
+                                        </p:attrNameLst>
+                                      </p:cBhvr>
+                                      <p:to>
+                                        <p:strVal val="true"/>
+                                      </p:to>
+                                    </p:set>
+                                  </p:childTnLst>
+                                </p:cTn>
+                              </p:par>
+                              <p:par>
+                                <p:cTn id="77" presetID="1" presetClass="emph" presetSubtype="2" fill="hold" nodeType="withEffect">
+                                  <p:stCondLst>
+                                    <p:cond delay="0"/>
+                                  </p:stCondLst>
+                                  <p:childTnLst>
+                                    <p:animClr clrSpc="rgb" dir="cw">
+                                      <p:cBhvr>
+                                        <p:cTn id="78" dur="500" fill="hold"/>
+                                        <p:tgtEl>
+                                          <p:spTgt spid="46"/>
+                                        </p:tgtEl>
+                                        <p:attrNameLst>
+                                          <p:attrName>fillcolor</p:attrName>
+                                        </p:attrNameLst>
+                                      </p:cBhvr>
+                                      <p:to>
+                                        <a:srgbClr val="B3DBCE"/>
+                                      </p:to>
+                                    </p:animClr>
+                                    <p:set>
+                                      <p:cBhvr>
+                                        <p:cTn id="79" dur="500" fill="hold"/>
+                                        <p:tgtEl>
+                                          <p:spTgt spid="46"/>
+                                        </p:tgtEl>
+                                        <p:attrNameLst>
+                                          <p:attrName>fill.type</p:attrName>
+                                        </p:attrNameLst>
+                                      </p:cBhvr>
+                                      <p:to>
+                                        <p:strVal val="solid"/>
+                                      </p:to>
+                                    </p:set>
+                                    <p:set>
+                                      <p:cBhvr>
+                                        <p:cTn id="80" dur="500" fill="hold"/>
+                                        <p:tgtEl>
+                                          <p:spTgt spid="46"/>
+                                        </p:tgtEl>
+                                        <p:attrNameLst>
+                                          <p:attrName>fill.on</p:attrName>
+                                        </p:attrNameLst>
+                                      </p:cBhvr>
+                                      <p:to>
+                                        <p:strVal val="true"/>
+                                      </p:to>
+                                    </p:set>
+                                  </p:childTnLst>
+                                </p:cTn>
+                              </p:par>
+                            </p:childTnLst>
+                          </p:cTn>
+                        </p:par>
+                      </p:childTnLst>
+                    </p:cTn>
+                  </p:par>
+                </p:childTnLst>
+              </p:cTn>
+              <p:prevCondLst>
+                <p:cond evt="onPrev" delay="0">
+                  <p:tgtEl>
+                    <p:sldTgt/>
+                  </p:tgtEl>
+                </p:cond>
+              </p:prevCondLst>
+              <p:nextCondLst>
+                <p:cond evt="onNext" delay="0">
+                  <p:tgtEl>
+                    <p:sldTgt/>
+                  </p:tgtEl>
+                </p:cond>
+              </p:nextCondLst>
+            </p:seq>
+          </p:childTnLst>
+        </p:cTn>
+      </p:par>
+    </p:tnLst>
+    <p:bldLst>
+      <p:bldP spid="33" grpId="0" animBg="1"/>
+      <p:bldP spid="37" grpId="0" animBg="1"/>
+      <p:bldP spid="55" grpId="0" animBg="1"/>
+      <p:bldP spid="57" grpId="0" animBg="1"/>
+    </p:bldLst>
+  </p:timing>
+</p:sld>
+</file>
+
+<file path=ppt/slides/slide7.xml><?xml version="1.0" encoding="utf-8"?>
 <p:sld xmlns:a="http://schemas.openxmlformats.org/drawingml/2006/main" xmlns:r="http://schemas.openxmlformats.org/officeDocument/2006/relationships" xmlns:p="http://schemas.openxmlformats.org/presentationml/2006/main">
   <p:cSld>
     <p:spTree>
